--- a/instructions.pptx
+++ b/instructions.pptx
@@ -19,7 +19,7 @@
     <p:sldId id="267" r:id="rId14"/>
   </p:sldIdLst>
   <p:sldSz cx="10080625" cy="5670550"/>
-  <p:notesSz cx="7772400" cy="10058400"/>
+  <p:notesSz cx="7559675" cy="10691813"/>
 </p:presentation>
 </file>
 
@@ -52,8 +52,8 @@
         </p:nvSpPr>
         <p:spPr>
           <a:xfrm>
-            <a:off x="504000" y="317880"/>
-            <a:ext cx="9071280" cy="762480"/>
+            <a:off x="504000" y="419040"/>
+            <a:ext cx="9070920" cy="559800"/>
           </a:xfrm>
           <a:prstGeom prst="rect">
             <a:avLst/>
@@ -71,13 +71,13 @@
             <a:pPr indent="0" algn="ctr">
               <a:buNone/>
             </a:pPr>
-            <a:endParaRPr b="0" lang="en-US" sz="4400" strike="noStrike" u="none">
+            <a:endParaRPr b="0" lang="ru-RU" sz="4400" strike="noStrike" u="none">
               <a:solidFill>
                 <a:srgbClr val="ffffff"/>
               </a:solidFill>
               <a:effectLst/>
               <a:uFillTx/>
-              <a:latin typeface="Noto Serif"/>
+              <a:latin typeface="Nimbus Roman"/>
             </a:endParaRPr>
           </a:p>
         </p:txBody>
@@ -95,7 +95,7 @@
         <p:spPr>
           <a:xfrm>
             <a:off x="504000" y="1326600"/>
-            <a:ext cx="9071280" cy="3287880"/>
+            <a:ext cx="9070920" cy="3287520"/>
           </a:xfrm>
           <a:prstGeom prst="rect">
             <a:avLst/>
@@ -116,13 +116,13 @@
               </a:spcBef>
               <a:buNone/>
             </a:pPr>
-            <a:endParaRPr b="0" lang="en-US" sz="3200" strike="noStrike" u="none">
+            <a:endParaRPr b="0" lang="ru-RU" sz="3200" strike="noStrike" u="none">
               <a:solidFill>
                 <a:srgbClr val="ffffff"/>
               </a:solidFill>
               <a:effectLst/>
               <a:uFillTx/>
-              <a:latin typeface="Noto Serif"/>
+              <a:latin typeface="Nimbus Roman"/>
             </a:endParaRPr>
           </a:p>
         </p:txBody>
@@ -161,7 +161,7 @@
         <p:txBody>
           <a:bodyPr/>
           <a:p>
-            <a:fld id="{4B4B8AA8-CAAF-48C9-955E-CDD1658D0CFC}" type="slidenum">
+            <a:fld id="{85B7FCA4-6CB4-44C6-9AC9-00E6A85D77D8}" type="slidenum">
               <a:t>&lt;#&gt;</a:t>
             </a:fld>
           </a:p>
@@ -182,7 +182,7 @@
           <a:bodyPr/>
           <a:p>
             <a:r>
-              <a:rPr lang="en-US"/>
+              <a:rPr lang="en-GB"/>
               <a:t/>
             </a:r>
           </a:p>
@@ -223,7 +223,7 @@
         <p:spPr>
           <a:xfrm>
             <a:off x="504000" y="561600"/>
-            <a:ext cx="9071280" cy="274680"/>
+            <a:ext cx="9070920" cy="274680"/>
           </a:xfrm>
           <a:prstGeom prst="rect">
             <a:avLst/>
@@ -235,52 +235,30 @@
         </p:spPr>
         <p:txBody>
           <a:bodyPr lIns="0" rIns="0" tIns="0" bIns="0" anchor="ctr">
-            <a:noAutofit/>
+            <a:spAutoFit/>
           </a:bodyPr>
           <a:p>
-            <a:pPr indent="0" algn="ctr">
+            <a:pPr indent="0">
               <a:buNone/>
             </a:pPr>
             <a:r>
-              <a:rPr b="0" lang="en-US" sz="4400" strike="noStrike" u="none">
+              <a:rPr b="0" lang="ru-RU" sz="1800" strike="noStrike" u="none">
                 <a:solidFill>
                   <a:srgbClr val="ffffff"/>
                 </a:solidFill>
                 <a:effectLst/>
                 <a:uFillTx/>
-                <a:latin typeface="Noto Serif"/>
-              </a:rPr>
-              <a:t>Click to edit </a:t>
-            </a:r>
-            <a:r>
-              <a:rPr b="0" lang="en-US" sz="4400" strike="noStrike" u="none">
-                <a:solidFill>
-                  <a:srgbClr val="ffffff"/>
-                </a:solidFill>
-                <a:effectLst/>
-                <a:uFillTx/>
-                <a:latin typeface="Noto Serif"/>
-              </a:rPr>
-              <a:t>the title text </a:t>
-            </a:r>
-            <a:r>
-              <a:rPr b="0" lang="en-US" sz="4400" strike="noStrike" u="none">
-                <a:solidFill>
-                  <a:srgbClr val="ffffff"/>
-                </a:solidFill>
-                <a:effectLst/>
-                <a:uFillTx/>
-                <a:latin typeface="Noto Serif"/>
-              </a:rPr>
-              <a:t>format</a:t>
-            </a:r>
-            <a:endParaRPr b="0" lang="en-US" sz="4400" strike="noStrike" u="none">
+                <a:latin typeface="Nimbus Roman"/>
+              </a:rPr>
+              <a:t>Click to edit the title text format</a:t>
+            </a:r>
+            <a:endParaRPr b="0" lang="ru-RU" sz="1800" strike="noStrike" u="none">
               <a:solidFill>
                 <a:srgbClr val="ffffff"/>
               </a:solidFill>
               <a:effectLst/>
               <a:uFillTx/>
-              <a:latin typeface="Noto Serif"/>
+              <a:latin typeface="Nimbus Roman"/>
             </a:endParaRPr>
           </a:p>
         </p:txBody>
@@ -298,7 +276,7 @@
         <p:spPr>
           <a:xfrm>
             <a:off x="504000" y="1326600"/>
-            <a:ext cx="9071280" cy="3287880"/>
+            <a:ext cx="9070920" cy="3287520"/>
           </a:xfrm>
           <a:prstGeom prst="rect">
             <a:avLst/>
@@ -325,23 +303,23 @@
               <a:buChar char=""/>
             </a:pPr>
             <a:r>
-              <a:rPr b="0" lang="en-US" sz="3200" strike="noStrike" u="none">
+              <a:rPr b="0" lang="ru-RU" sz="1800" strike="noStrike" u="none">
                 <a:solidFill>
                   <a:srgbClr val="ffffff"/>
                 </a:solidFill>
                 <a:effectLst/>
                 <a:uFillTx/>
-                <a:latin typeface="Noto Serif"/>
+                <a:latin typeface="Nimbus Roman"/>
               </a:rPr>
               <a:t>Click to edit the outline text format</a:t>
             </a:r>
-            <a:endParaRPr b="0" lang="en-US" sz="3200" strike="noStrike" u="none">
+            <a:endParaRPr b="0" lang="ru-RU" sz="1800" strike="noStrike" u="none">
               <a:solidFill>
                 <a:srgbClr val="ffffff"/>
               </a:solidFill>
               <a:effectLst/>
               <a:uFillTx/>
-              <a:latin typeface="Noto Serif"/>
+              <a:latin typeface="Nimbus Roman"/>
             </a:endParaRPr>
           </a:p>
           <a:p>
@@ -357,23 +335,23 @@
               <a:buChar char=""/>
             </a:pPr>
             <a:r>
-              <a:rPr b="0" lang="en-US" sz="2800" strike="noStrike" u="none">
+              <a:rPr b="0" lang="ru-RU" sz="1800" strike="noStrike" u="none">
                 <a:solidFill>
                   <a:srgbClr val="ffffff"/>
                 </a:solidFill>
                 <a:effectLst/>
                 <a:uFillTx/>
-                <a:latin typeface="Noto Serif"/>
+                <a:latin typeface="Nimbus Roman"/>
               </a:rPr>
               <a:t>Second Outline Level</a:t>
             </a:r>
-            <a:endParaRPr b="0" lang="en-US" sz="2800" strike="noStrike" u="none">
+            <a:endParaRPr b="0" lang="ru-RU" sz="1800" strike="noStrike" u="none">
               <a:solidFill>
                 <a:srgbClr val="ffffff"/>
               </a:solidFill>
               <a:effectLst/>
               <a:uFillTx/>
-              <a:latin typeface="Noto Serif"/>
+              <a:latin typeface="Nimbus Roman"/>
             </a:endParaRPr>
           </a:p>
           <a:p>
@@ -389,23 +367,23 @@
               <a:buChar char=""/>
             </a:pPr>
             <a:r>
-              <a:rPr b="0" lang="en-US" sz="2400" strike="noStrike" u="none">
+              <a:rPr b="0" lang="ru-RU" sz="1800" strike="noStrike" u="none">
                 <a:solidFill>
                   <a:srgbClr val="ffffff"/>
                 </a:solidFill>
                 <a:effectLst/>
                 <a:uFillTx/>
-                <a:latin typeface="Noto Serif"/>
+                <a:latin typeface="Nimbus Roman"/>
               </a:rPr>
               <a:t>Third Outline Level</a:t>
             </a:r>
-            <a:endParaRPr b="0" lang="en-US" sz="2400" strike="noStrike" u="none">
+            <a:endParaRPr b="0" lang="ru-RU" sz="1800" strike="noStrike" u="none">
               <a:solidFill>
                 <a:srgbClr val="ffffff"/>
               </a:solidFill>
               <a:effectLst/>
               <a:uFillTx/>
-              <a:latin typeface="Noto Serif"/>
+              <a:latin typeface="Nimbus Roman"/>
             </a:endParaRPr>
           </a:p>
           <a:p>
@@ -421,23 +399,23 @@
               <a:buChar char=""/>
             </a:pPr>
             <a:r>
-              <a:rPr b="0" lang="en-US" sz="2000" strike="noStrike" u="none">
+              <a:rPr b="0" lang="ru-RU" sz="1800" strike="noStrike" u="none">
                 <a:solidFill>
                   <a:srgbClr val="ffffff"/>
                 </a:solidFill>
                 <a:effectLst/>
                 <a:uFillTx/>
-                <a:latin typeface="Noto Serif"/>
+                <a:latin typeface="Nimbus Roman"/>
               </a:rPr>
               <a:t>Fourth Outline Level</a:t>
             </a:r>
-            <a:endParaRPr b="0" lang="en-US" sz="2000" strike="noStrike" u="none">
+            <a:endParaRPr b="0" lang="ru-RU" sz="1800" strike="noStrike" u="none">
               <a:solidFill>
                 <a:srgbClr val="ffffff"/>
               </a:solidFill>
               <a:effectLst/>
               <a:uFillTx/>
-              <a:latin typeface="Noto Serif"/>
+              <a:latin typeface="Nimbus Roman"/>
             </a:endParaRPr>
           </a:p>
           <a:p>
@@ -453,23 +431,23 @@
               <a:buChar char=""/>
             </a:pPr>
             <a:r>
-              <a:rPr b="0" lang="en-US" sz="2000" strike="noStrike" u="none">
+              <a:rPr b="0" lang="ru-RU" sz="1800" strike="noStrike" u="none">
                 <a:solidFill>
                   <a:srgbClr val="ffffff"/>
                 </a:solidFill>
                 <a:effectLst/>
                 <a:uFillTx/>
-                <a:latin typeface="Noto Serif"/>
+                <a:latin typeface="Nimbus Roman"/>
               </a:rPr>
               <a:t>Fifth Outline Level</a:t>
             </a:r>
-            <a:endParaRPr b="0" lang="en-US" sz="2000" strike="noStrike" u="none">
+            <a:endParaRPr b="0" lang="ru-RU" sz="1800" strike="noStrike" u="none">
               <a:solidFill>
                 <a:srgbClr val="ffffff"/>
               </a:solidFill>
               <a:effectLst/>
               <a:uFillTx/>
-              <a:latin typeface="Noto Serif"/>
+              <a:latin typeface="Nimbus Roman"/>
             </a:endParaRPr>
           </a:p>
           <a:p>
@@ -485,23 +463,23 @@
               <a:buChar char=""/>
             </a:pPr>
             <a:r>
-              <a:rPr b="0" lang="en-US" sz="2000" strike="noStrike" u="none">
+              <a:rPr b="0" lang="ru-RU" sz="1800" strike="noStrike" u="none">
                 <a:solidFill>
                   <a:srgbClr val="ffffff"/>
                 </a:solidFill>
                 <a:effectLst/>
                 <a:uFillTx/>
-                <a:latin typeface="Noto Serif"/>
+                <a:latin typeface="Nimbus Roman"/>
               </a:rPr>
               <a:t>Sixth Outline Level</a:t>
             </a:r>
-            <a:endParaRPr b="0" lang="en-US" sz="2000" strike="noStrike" u="none">
+            <a:endParaRPr b="0" lang="ru-RU" sz="1800" strike="noStrike" u="none">
               <a:solidFill>
                 <a:srgbClr val="ffffff"/>
               </a:solidFill>
               <a:effectLst/>
               <a:uFillTx/>
-              <a:latin typeface="Noto Serif"/>
+              <a:latin typeface="Nimbus Roman"/>
             </a:endParaRPr>
           </a:p>
           <a:p>
@@ -517,23 +495,23 @@
               <a:buChar char=""/>
             </a:pPr>
             <a:r>
-              <a:rPr b="0" lang="en-US" sz="2000" strike="noStrike" u="none">
+              <a:rPr b="0" lang="ru-RU" sz="1800" strike="noStrike" u="none">
                 <a:solidFill>
                   <a:srgbClr val="ffffff"/>
                 </a:solidFill>
                 <a:effectLst/>
                 <a:uFillTx/>
-                <a:latin typeface="Noto Serif"/>
+                <a:latin typeface="Nimbus Roman"/>
               </a:rPr>
               <a:t>Seventh Outline Level</a:t>
             </a:r>
-            <a:endParaRPr b="0" lang="en-US" sz="2000" strike="noStrike" u="none">
+            <a:endParaRPr b="0" lang="ru-RU" sz="1800" strike="noStrike" u="none">
               <a:solidFill>
                 <a:srgbClr val="ffffff"/>
               </a:solidFill>
               <a:effectLst/>
               <a:uFillTx/>
-              <a:latin typeface="Noto Serif"/>
+              <a:latin typeface="Nimbus Roman"/>
             </a:endParaRPr>
           </a:p>
         </p:txBody>
@@ -551,7 +529,7 @@
         <p:spPr>
           <a:xfrm>
             <a:off x="3447360" y="5165280"/>
-            <a:ext cx="3194640" cy="390240"/>
+            <a:ext cx="3194280" cy="389880"/>
           </a:xfrm>
           <a:prstGeom prst="rect">
             <a:avLst/>
@@ -605,13 +583,13 @@
               </a:rPr>
               <a:t>&lt;footer&gt;</a:t>
             </a:r>
-            <a:endParaRPr b="0" lang="en-US" sz="1400" strike="noStrike" u="none">
+            <a:endParaRPr b="0" lang="ru-RU" sz="1400" strike="noStrike" u="none">
               <a:solidFill>
                 <a:srgbClr val="ffffff"/>
               </a:solidFill>
               <a:effectLst/>
               <a:uFillTx/>
-              <a:latin typeface="Noto Serif"/>
+              <a:latin typeface="Nimbus Roman"/>
             </a:endParaRPr>
           </a:p>
         </p:txBody>
@@ -629,7 +607,7 @@
         <p:spPr>
           <a:xfrm>
             <a:off x="7227360" y="5165280"/>
-            <a:ext cx="2347920" cy="390240"/>
+            <a:ext cx="2347560" cy="389880"/>
           </a:xfrm>
           <a:prstGeom prst="rect">
             <a:avLst/>
@@ -672,7 +650,7 @@
                 <a:tab algn="l" pos="0"/>
               </a:tabLst>
             </a:pPr>
-            <a:fld id="{8127DBDA-1871-490B-A8A4-9A13280A8B11}" type="slidenum">
+            <a:fld id="{752DA519-6993-4312-99B3-5DE13B241C12}" type="slidenum">
               <a:rPr b="0" lang="ru-RU" sz="1400" strike="noStrike" u="none">
                 <a:solidFill>
                   <a:srgbClr val="ffffff"/>
@@ -683,13 +661,13 @@
               </a:rPr>
               <a:t>&lt;number&gt;</a:t>
             </a:fld>
-            <a:endParaRPr b="0" lang="en-US" sz="1400" strike="noStrike" u="none">
+            <a:endParaRPr b="0" lang="ru-RU" sz="1400" strike="noStrike" u="none">
               <a:solidFill>
                 <a:srgbClr val="ffffff"/>
               </a:solidFill>
               <a:effectLst/>
               <a:uFillTx/>
-              <a:latin typeface="Noto Serif"/>
+              <a:latin typeface="Nimbus Roman"/>
             </a:endParaRPr>
           </a:p>
         </p:txBody>
@@ -707,7 +685,7 @@
         <p:spPr>
           <a:xfrm>
             <a:off x="504000" y="5165280"/>
-            <a:ext cx="2347920" cy="390240"/>
+            <a:ext cx="2347560" cy="389880"/>
           </a:xfrm>
           <a:prstGeom prst="rect">
             <a:avLst/>
@@ -724,13 +702,13 @@
           <a:lstStyle>
             <a:lvl1pPr indent="0">
               <a:buNone/>
-              <a:defRPr b="0" lang="en-US" sz="1400" strike="noStrike" u="none">
+              <a:defRPr b="0" lang="ru-RU" sz="1400" strike="noStrike" u="none">
                 <a:solidFill>
                   <a:srgbClr val="ffffff"/>
                 </a:solidFill>
                 <a:effectLst/>
                 <a:uFillTx/>
-                <a:latin typeface="Noto Serif"/>
+                <a:latin typeface="Nimbus Roman"/>
               </a:defRPr>
             </a:lvl1pPr>
           </a:lstStyle>
@@ -739,23 +717,23 @@
               <a:buNone/>
             </a:pPr>
             <a:r>
-              <a:rPr b="0" lang="en-US" sz="1400" strike="noStrike" u="none">
+              <a:rPr b="0" lang="ru-RU" sz="1400" strike="noStrike" u="none">
                 <a:solidFill>
                   <a:srgbClr val="ffffff"/>
                 </a:solidFill>
                 <a:effectLst/>
                 <a:uFillTx/>
-                <a:latin typeface="Noto Serif"/>
+                <a:latin typeface="Nimbus Roman"/>
               </a:rPr>
               <a:t>&lt;date/time&gt;</a:t>
             </a:r>
-            <a:endParaRPr b="0" lang="en-US" sz="1400" strike="noStrike" u="none">
+            <a:endParaRPr b="0" lang="ru-RU" sz="1400" strike="noStrike" u="none">
               <a:solidFill>
                 <a:srgbClr val="ffffff"/>
               </a:solidFill>
               <a:effectLst/>
               <a:uFillTx/>
-              <a:latin typeface="Noto Serif"/>
+              <a:latin typeface="Nimbus Roman"/>
             </a:endParaRPr>
           </a:p>
         </p:txBody>
@@ -801,8 +779,8 @@
         </p:nvSpPr>
         <p:spPr>
           <a:xfrm>
-            <a:off x="2943360" y="2563200"/>
-            <a:ext cx="4194360" cy="976320"/>
+            <a:off x="2943360" y="2562840"/>
+            <a:ext cx="4194000" cy="976320"/>
           </a:xfrm>
           <a:prstGeom prst="rect">
             <a:avLst/>
@@ -840,13 +818,14 @@
                 </a:solidFill>
                 <a:effectLst/>
                 <a:uFillTx/>
-                <a:latin typeface="Nimbus Roman"/>
+                <a:latin typeface="Times New Roman"/>
+                <a:ea typeface="DejaVu Sans"/>
               </a:rPr>
               <a:t>DB Browser for SQLite</a:t>
             </a:r>
-            <a:endParaRPr b="0" lang="en-US" sz="3200" strike="noStrike" u="none">
-              <a:solidFill>
-                <a:srgbClr val="eeeeee"/>
+            <a:endParaRPr b="0" lang="ru-RU" sz="3200" strike="noStrike" u="none">
+              <a:solidFill>
+                <a:srgbClr val="ffffff"/>
               </a:solidFill>
               <a:effectLst/>
               <a:uFillTx/>
@@ -871,13 +850,14 @@
                 </a:solidFill>
                 <a:effectLst/>
                 <a:uFillTx/>
-                <a:latin typeface="Nimbus Roman"/>
+                <a:latin typeface="Times New Roman"/>
+                <a:ea typeface="DejaVu Sans"/>
               </a:rPr>
               <a:t>SQLiteStudio</a:t>
             </a:r>
-            <a:endParaRPr b="0" lang="en-US" sz="3200" strike="noStrike" u="none">
-              <a:solidFill>
-                <a:srgbClr val="eeeeee"/>
+            <a:endParaRPr b="0" lang="ru-RU" sz="3200" strike="noStrike" u="none">
+              <a:solidFill>
+                <a:srgbClr val="ffffff"/>
               </a:solidFill>
               <a:effectLst/>
               <a:uFillTx/>
@@ -889,13 +869,13 @@
       <p:sp>
         <p:nvSpPr>
           <p:cNvPr id="8" name=""/>
-          <p:cNvSpPr txBox="1"/>
+          <p:cNvSpPr/>
           <p:nvPr/>
         </p:nvSpPr>
         <p:spPr>
           <a:xfrm>
-            <a:off x="2676600" y="351720"/>
-            <a:ext cx="4731120" cy="649800"/>
+            <a:off x="3435120" y="97560"/>
+            <a:ext cx="3212640" cy="639000"/>
           </a:xfrm>
           <a:prstGeom prst="rect">
             <a:avLst/>
@@ -905,30 +885,40 @@
             <a:noFill/>
           </a:ln>
         </p:spPr>
+        <p:style>
+          <a:lnRef idx="0"/>
+          <a:fillRef idx="0"/>
+          <a:effectRef idx="0"/>
+          <a:fontRef idx="minor"/>
+        </p:style>
         <p:txBody>
-          <a:bodyPr wrap="none" lIns="90000" rIns="90000" tIns="45000" bIns="45000" anchor="b" anchorCtr="1">
+          <a:bodyPr wrap="none" lIns="90000" rIns="90000" tIns="45000" bIns="45000" anchor="t">
             <a:spAutoFit/>
           </a:bodyPr>
           <a:p>
-            <a:pPr algn="ctr"/>
-            <a:r>
-              <a:rPr b="0" lang="en-US" sz="4200" strike="noStrike" u="none">
+            <a:pPr algn="ctr">
+              <a:lnSpc>
+                <a:spcPct val="100000"/>
+              </a:lnSpc>
+            </a:pPr>
+            <a:r>
+              <a:rPr b="0" lang="en-US" sz="3600" strike="noStrike" u="none">
                 <a:solidFill>
                   <a:srgbClr val="eeeeee"/>
                 </a:solidFill>
                 <a:effectLst/>
                 <a:uFillTx/>
-                <a:latin typeface="Nimbus Roman"/>
+                <a:latin typeface="Times New Roman"/>
               </a:rPr>
               <a:t>GUI для SQLite</a:t>
             </a:r>
-            <a:endParaRPr b="0" lang="en-US" sz="4200" strike="noStrike" u="none">
+            <a:endParaRPr b="0" lang="ru-RU" sz="3600" strike="noStrike" u="none">
               <a:solidFill>
                 <a:srgbClr val="ffffff"/>
               </a:solidFill>
               <a:effectLst/>
               <a:uFillTx/>
-              <a:latin typeface="Noto Serif"/>
+              <a:latin typeface="Times New Roman"/>
             </a:endParaRPr>
           </a:p>
         </p:txBody>
@@ -982,8 +972,8 @@
         </p:nvSpPr>
         <p:spPr>
           <a:xfrm>
-            <a:off x="6298560" y="1105200"/>
-            <a:ext cx="2046600" cy="946800"/>
+            <a:off x="6298560" y="1104840"/>
+            <a:ext cx="2046240" cy="947160"/>
           </a:xfrm>
           <a:prstGeom prst="rect">
             <a:avLst/>
@@ -1014,17 +1004,17 @@
                 </a:solidFill>
                 <a:effectLst/>
                 <a:uFillTx/>
-                <a:latin typeface="Nimbus Roman"/>
+                <a:latin typeface="Times New Roman"/>
               </a:rPr>
               <a:t>русский</a:t>
             </a:r>
-            <a:endParaRPr b="0" lang="en-US" sz="3200" strike="noStrike" u="none">
+            <a:endParaRPr b="0" lang="ru-RU" sz="3200" strike="noStrike" u="none">
               <a:solidFill>
                 <a:srgbClr val="ffffff"/>
               </a:solidFill>
               <a:effectLst/>
               <a:uFillTx/>
-              <a:latin typeface="Noto Serif"/>
+              <a:latin typeface="Times New Roman"/>
             </a:endParaRPr>
           </a:p>
         </p:txBody>
@@ -1038,7 +1028,7 @@
         <p:spPr>
           <a:xfrm>
             <a:off x="1267560" y="1331640"/>
-            <a:ext cx="2924640" cy="488520"/>
+            <a:ext cx="2924280" cy="488160"/>
           </a:xfrm>
           <a:prstGeom prst="rect">
             <a:avLst/>
@@ -1071,13 +1061,14 @@
                 </a:solidFill>
                 <a:effectLst/>
                 <a:uFillTx/>
-                <a:latin typeface="Nimbus Roman"/>
+                <a:latin typeface="Times New Roman"/>
+                <a:ea typeface="DejaVu Sans"/>
               </a:rPr>
               <a:t>английский</a:t>
             </a:r>
-            <a:endParaRPr b="0" lang="en-US" sz="3200" strike="noStrike" u="none">
-              <a:solidFill>
-                <a:srgbClr val="eeeeee"/>
+            <a:endParaRPr b="0" lang="ru-RU" sz="3200" strike="noStrike" u="none">
+              <a:solidFill>
+                <a:srgbClr val="ffffff"/>
               </a:solidFill>
               <a:effectLst/>
               <a:uFillTx/>
@@ -1089,13 +1080,13 @@
       <p:sp>
         <p:nvSpPr>
           <p:cNvPr id="83" name=""/>
-          <p:cNvSpPr txBox="1"/>
+          <p:cNvSpPr/>
           <p:nvPr/>
         </p:nvSpPr>
         <p:spPr>
           <a:xfrm>
-            <a:off x="2182320" y="97200"/>
-            <a:ext cx="5718600" cy="1157400"/>
+            <a:off x="1362240" y="97200"/>
+            <a:ext cx="7357320" cy="639000"/>
           </a:xfrm>
           <a:prstGeom prst="rect">
             <a:avLst/>
@@ -1105,63 +1096,40 @@
             <a:noFill/>
           </a:ln>
         </p:spPr>
+        <p:style>
+          <a:lnRef idx="0"/>
+          <a:fillRef idx="0"/>
+          <a:effectRef idx="0"/>
+          <a:fontRef idx="minor"/>
+        </p:style>
         <p:txBody>
-          <a:bodyPr wrap="none" lIns="90000" rIns="90000" tIns="45000" bIns="45000" anchor="t" anchorCtr="1">
+          <a:bodyPr wrap="none" lIns="90000" rIns="90000" tIns="45000" bIns="45000" anchor="t">
             <a:spAutoFit/>
           </a:bodyPr>
           <a:p>
-            <a:pPr algn="ctr"/>
-            <a:r>
-              <a:rPr b="0" lang="en-US" sz="4200" strike="noStrike" u="none">
+            <a:pPr algn="ctr">
+              <a:lnSpc>
+                <a:spcPct val="100000"/>
+              </a:lnSpc>
+            </a:pPr>
+            <a:r>
+              <a:rPr b="0" lang="en-US" sz="3600" strike="noStrike" u="none">
                 <a:solidFill>
                   <a:srgbClr val="eeeeee"/>
                 </a:solidFill>
                 <a:effectLst/>
                 <a:uFillTx/>
-                <a:latin typeface="Nimbus Roman"/>
-              </a:rPr>
-              <a:t>SQLiteStudio</a:t>
-            </a:r>
-            <a:r>
-              <a:rPr b="0" lang="en-US" sz="4200" strike="noStrike" u="none">
-                <a:solidFill>
-                  <a:srgbClr val="eeeeee"/>
-                </a:solidFill>
-                <a:effectLst/>
-                <a:uFillTx/>
-                <a:latin typeface="Nimbus Roman"/>
-              </a:rPr>
-              <a:t>:</a:t>
-            </a:r>
-            <a:endParaRPr b="0" lang="en-US" sz="4200" strike="noStrike" u="none">
+                <a:latin typeface="Times New Roman"/>
+              </a:rPr>
+              <a:t>SQLiteStudio: сохранение изменений</a:t>
+            </a:r>
+            <a:endParaRPr b="0" lang="ru-RU" sz="3600" strike="noStrike" u="none">
               <a:solidFill>
                 <a:srgbClr val="ffffff"/>
               </a:solidFill>
               <a:effectLst/>
               <a:uFillTx/>
-              <a:latin typeface="Noto Serif"/>
-            </a:endParaRPr>
-          </a:p>
-          <a:p>
-            <a:pPr algn="ctr"/>
-            <a:r>
-              <a:rPr b="0" lang="en-US" sz="4200" strike="noStrike" u="none">
-                <a:solidFill>
-                  <a:srgbClr val="eeeeee"/>
-                </a:solidFill>
-                <a:effectLst/>
-                <a:uFillTx/>
-                <a:latin typeface="Nimbus Roman"/>
-              </a:rPr>
-              <a:t>сохранение изменений</a:t>
-            </a:r>
-            <a:endParaRPr b="0" lang="en-US" sz="4200" strike="noStrike" u="none">
-              <a:solidFill>
-                <a:srgbClr val="ffffff"/>
-              </a:solidFill>
-              <a:effectLst/>
-              <a:uFillTx/>
-              <a:latin typeface="Noto Serif"/>
+              <a:latin typeface="Times New Roman"/>
             </a:endParaRPr>
           </a:p>
         </p:txBody>
@@ -1175,9 +1143,9 @@
         <p:grpSpPr>
           <a:xfrm>
             <a:off x="667800" y="2286000"/>
-            <a:ext cx="4132800" cy="2434680"/>
+            <a:ext cx="4132440" cy="2434320"/>
             <a:chOff x="667800" y="2286000"/>
-            <a:chExt cx="4132800" cy="2434680"/>
+            <a:chExt cx="4132440" cy="2434320"/>
           </a:xfrm>
         </p:grpSpPr>
         <p:pic>
@@ -1194,7 +1162,7 @@
           <p:spPr>
             <a:xfrm>
               <a:off x="667800" y="2286000"/>
-              <a:ext cx="4132800" cy="2434680"/>
+              <a:ext cx="4132440" cy="2434320"/>
             </a:xfrm>
             <a:prstGeom prst="rect">
               <a:avLst/>
@@ -1214,7 +1182,7 @@
           <p:spPr>
             <a:xfrm>
               <a:off x="2109240" y="3116520"/>
-              <a:ext cx="291600" cy="291960"/>
+              <a:ext cx="291240" cy="291600"/>
             </a:xfrm>
             <a:prstGeom prst="rect">
               <a:avLst/>
@@ -1238,6 +1206,11 @@
               <a:noAutofit/>
             </a:bodyPr>
             <a:p>
+              <a:pPr>
+                <a:lnSpc>
+                  <a:spcPct val="100000"/>
+                </a:lnSpc>
+              </a:pPr>
               <a:endParaRPr b="0" lang="en-US" sz="1800" strike="noStrike" u="none">
                 <a:solidFill>
                   <a:srgbClr val="ffffff"/>
@@ -1245,6 +1218,7 @@
                 <a:effectLst/>
                 <a:uFillTx/>
                 <a:latin typeface="Noto Serif"/>
+                <a:ea typeface="DejaVu Sans"/>
               </a:endParaRPr>
             </a:p>
           </p:txBody>
@@ -1259,9 +1233,9 @@
         <p:grpSpPr>
           <a:xfrm>
             <a:off x="5051520" y="2291400"/>
-            <a:ext cx="4549680" cy="2429280"/>
+            <a:ext cx="4549320" cy="2428920"/>
             <a:chOff x="5051520" y="2291400"/>
-            <a:chExt cx="4549680" cy="2429280"/>
+            <a:chExt cx="4549320" cy="2428920"/>
           </a:xfrm>
         </p:grpSpPr>
         <p:pic>
@@ -1278,7 +1252,7 @@
           <p:spPr>
             <a:xfrm>
               <a:off x="5051520" y="2291400"/>
-              <a:ext cx="4549680" cy="2429280"/>
+              <a:ext cx="4549320" cy="2428920"/>
             </a:xfrm>
             <a:prstGeom prst="rect">
               <a:avLst/>
@@ -1298,7 +1272,7 @@
           <p:spPr>
             <a:xfrm>
               <a:off x="6651000" y="3211560"/>
-              <a:ext cx="291600" cy="291960"/>
+              <a:ext cx="291240" cy="291600"/>
             </a:xfrm>
             <a:prstGeom prst="rect">
               <a:avLst/>
@@ -1322,6 +1296,11 @@
               <a:noAutofit/>
             </a:bodyPr>
             <a:p>
+              <a:pPr>
+                <a:lnSpc>
+                  <a:spcPct val="100000"/>
+                </a:lnSpc>
+              </a:pPr>
               <a:endParaRPr b="0" lang="en-US" sz="1800" strike="noStrike" u="none">
                 <a:solidFill>
                   <a:srgbClr val="ffffff"/>
@@ -1329,6 +1308,7 @@
                 <a:effectLst/>
                 <a:uFillTx/>
                 <a:latin typeface="Noto Serif"/>
+                <a:ea typeface="DejaVu Sans"/>
               </a:endParaRPr>
             </a:p>
           </p:txBody>
@@ -1343,7 +1323,7 @@
         <p:spPr>
           <a:xfrm>
             <a:off x="0" y="5189400"/>
-            <a:ext cx="10080720" cy="275040"/>
+            <a:ext cx="10080360" cy="274680"/>
           </a:xfrm>
           <a:prstGeom prst="rect">
             <a:avLst/>
@@ -1380,7 +1360,8 @@
                     <a:srgbClr val="ffdd33"/>
                   </a:solidFill>
                 </a:uFill>
-                <a:latin typeface="Nimbus Roman"/>
+                <a:latin typeface="Times New Roman"/>
+                <a:ea typeface="DejaVu Sans"/>
               </a:rPr>
               <a:t>во вкладке </a:t>
             </a:r>
@@ -1395,7 +1376,8 @@
                     <a:srgbClr val="ffdd33"/>
                   </a:solidFill>
                 </a:uFill>
-                <a:latin typeface="Nimbus Roman"/>
+                <a:latin typeface="Times New Roman"/>
+                <a:ea typeface="DejaVu Sans"/>
               </a:rPr>
               <a:t>Data (Данные)</a:t>
             </a:r>
@@ -1410,7 +1392,8 @@
                     <a:srgbClr val="ffdd33"/>
                   </a:solidFill>
                 </a:uFill>
-                <a:latin typeface="Nimbus Roman"/>
+                <a:latin typeface="Times New Roman"/>
+                <a:ea typeface="DejaVu Sans"/>
               </a:rPr>
               <a:t> можно вручную указать </a:t>
             </a:r>
@@ -1425,7 +1408,8 @@
                     <a:srgbClr val="ffdd33"/>
                   </a:solidFill>
                 </a:uFill>
-                <a:latin typeface="Nimbus Roman"/>
+                <a:latin typeface="Times New Roman"/>
+                <a:ea typeface="DejaVu Sans"/>
               </a:rPr>
               <a:t>записи (строки) БД</a:t>
             </a:r>
@@ -1440,20 +1424,17 @@
                     <a:srgbClr val="ffdd33"/>
                   </a:solidFill>
                 </a:uFill>
-                <a:latin typeface="Nimbus Roman"/>
+                <a:latin typeface="Times New Roman"/>
+                <a:ea typeface="DejaVu Sans"/>
               </a:rPr>
               <a:t> и сохранить их</a:t>
             </a:r>
-            <a:endParaRPr b="0" lang="en-US" sz="1800" strike="noStrike" u="none">
-              <a:solidFill>
-                <a:srgbClr val="eeeeee"/>
+            <a:endParaRPr b="0" lang="ru-RU" sz="1800" strike="noStrike" u="none">
+              <a:solidFill>
+                <a:srgbClr val="ffffff"/>
               </a:solidFill>
               <a:effectLst/>
-              <a:uFill>
-                <a:solidFill>
-                  <a:srgbClr val="ffdd33"/>
-                </a:solidFill>
-              </a:uFill>
+              <a:uFillTx/>
               <a:latin typeface="Times New Roman"/>
             </a:endParaRPr>
           </a:p>
@@ -1508,8 +1489,8 @@
         </p:nvSpPr>
         <p:spPr>
           <a:xfrm>
-            <a:off x="6298560" y="1105200"/>
-            <a:ext cx="2046600" cy="946800"/>
+            <a:off x="6298560" y="1104840"/>
+            <a:ext cx="2046240" cy="947160"/>
           </a:xfrm>
           <a:prstGeom prst="rect">
             <a:avLst/>
@@ -1540,17 +1521,17 @@
                 </a:solidFill>
                 <a:effectLst/>
                 <a:uFillTx/>
-                <a:latin typeface="Nimbus Roman"/>
+                <a:latin typeface="Times New Roman"/>
               </a:rPr>
               <a:t>русский</a:t>
             </a:r>
-            <a:endParaRPr b="0" lang="en-US" sz="3200" strike="noStrike" u="none">
+            <a:endParaRPr b="0" lang="ru-RU" sz="3200" strike="noStrike" u="none">
               <a:solidFill>
                 <a:srgbClr val="ffffff"/>
               </a:solidFill>
               <a:effectLst/>
               <a:uFillTx/>
-              <a:latin typeface="Noto Serif"/>
+              <a:latin typeface="Times New Roman"/>
             </a:endParaRPr>
           </a:p>
         </p:txBody>
@@ -1564,7 +1545,7 @@
         <p:spPr>
           <a:xfrm>
             <a:off x="1267560" y="1331640"/>
-            <a:ext cx="2924640" cy="488520"/>
+            <a:ext cx="2924280" cy="488160"/>
           </a:xfrm>
           <a:prstGeom prst="rect">
             <a:avLst/>
@@ -1597,13 +1578,14 @@
                 </a:solidFill>
                 <a:effectLst/>
                 <a:uFillTx/>
-                <a:latin typeface="Nimbus Roman"/>
+                <a:latin typeface="Times New Roman"/>
+                <a:ea typeface="DejaVu Sans"/>
               </a:rPr>
               <a:t>английский</a:t>
             </a:r>
-            <a:endParaRPr b="0" lang="en-US" sz="3200" strike="noStrike" u="none">
-              <a:solidFill>
-                <a:srgbClr val="eeeeee"/>
+            <a:endParaRPr b="0" lang="ru-RU" sz="3200" strike="noStrike" u="none">
+              <a:solidFill>
+                <a:srgbClr val="ffffff"/>
               </a:solidFill>
               <a:effectLst/>
               <a:uFillTx/>
@@ -1626,7 +1608,7 @@
         <p:spPr>
           <a:xfrm>
             <a:off x="842400" y="1977480"/>
-            <a:ext cx="3784680" cy="3115800"/>
+            <a:ext cx="3784320" cy="3115440"/>
           </a:xfrm>
           <a:prstGeom prst="rect">
             <a:avLst/>
@@ -1651,7 +1633,7 @@
         <p:spPr>
           <a:xfrm>
             <a:off x="5139360" y="1977480"/>
-            <a:ext cx="4461840" cy="3111120"/>
+            <a:ext cx="4461480" cy="3110760"/>
           </a:xfrm>
           <a:prstGeom prst="rect">
             <a:avLst/>
@@ -1671,7 +1653,7 @@
         <p:spPr>
           <a:xfrm>
             <a:off x="1095120" y="3295440"/>
-            <a:ext cx="1781280" cy="219240"/>
+            <a:ext cx="1780920" cy="218880"/>
           </a:xfrm>
           <a:prstGeom prst="rect">
             <a:avLst/>
@@ -1695,6 +1677,11 @@
             <a:noAutofit/>
           </a:bodyPr>
           <a:p>
+            <a:pPr>
+              <a:lnSpc>
+                <a:spcPct val="100000"/>
+              </a:lnSpc>
+            </a:pPr>
             <a:endParaRPr b="0" lang="en-US" sz="1800" strike="noStrike" u="none">
               <a:solidFill>
                 <a:srgbClr val="ffffff"/>
@@ -1702,6 +1689,7 @@
               <a:effectLst/>
               <a:uFillTx/>
               <a:latin typeface="Noto Serif"/>
+              <a:ea typeface="DejaVu Sans"/>
             </a:endParaRPr>
           </a:p>
         </p:txBody>
@@ -1715,7 +1703,7 @@
         <p:spPr>
           <a:xfrm>
             <a:off x="5377680" y="3089160"/>
-            <a:ext cx="2071080" cy="192960"/>
+            <a:ext cx="2070720" cy="192600"/>
           </a:xfrm>
           <a:prstGeom prst="rect">
             <a:avLst/>
@@ -1739,6 +1727,11 @@
             <a:noAutofit/>
           </a:bodyPr>
           <a:p>
+            <a:pPr>
+              <a:lnSpc>
+                <a:spcPct val="100000"/>
+              </a:lnSpc>
+            </a:pPr>
             <a:endParaRPr b="0" lang="en-US" sz="1800" strike="noStrike" u="none">
               <a:solidFill>
                 <a:srgbClr val="ffffff"/>
@@ -1746,6 +1739,7 @@
               <a:effectLst/>
               <a:uFillTx/>
               <a:latin typeface="Noto Serif"/>
+              <a:ea typeface="DejaVu Sans"/>
             </a:endParaRPr>
           </a:p>
         </p:txBody>
@@ -1759,7 +1753,7 @@
         <p:spPr>
           <a:xfrm>
             <a:off x="0" y="5189400"/>
-            <a:ext cx="10080720" cy="275040"/>
+            <a:ext cx="10080360" cy="274680"/>
           </a:xfrm>
           <a:prstGeom prst="rect">
             <a:avLst/>
@@ -1796,7 +1790,8 @@
                     <a:srgbClr val="ffdd33"/>
                   </a:solidFill>
                 </a:uFill>
-                <a:latin typeface="Nimbus Roman"/>
+                <a:latin typeface="Times New Roman"/>
+                <a:ea typeface="DejaVu Sans"/>
               </a:rPr>
               <a:t>sqlite.c</a:t>
             </a:r>
@@ -1811,7 +1806,8 @@
                     <a:srgbClr val="ffdd33"/>
                   </a:solidFill>
                 </a:uFill>
-                <a:latin typeface="Nimbus Roman"/>
+                <a:latin typeface="Times New Roman"/>
+                <a:ea typeface="DejaVu Sans"/>
               </a:rPr>
               <a:t> в </a:t>
             </a:r>
@@ -1826,7 +1822,8 @@
                     <a:srgbClr val="ffdd33"/>
                   </a:solidFill>
                 </a:uFill>
-                <a:latin typeface="Nimbus Roman"/>
+                <a:latin typeface="Times New Roman"/>
+                <a:ea typeface="DejaVu Sans"/>
               </a:rPr>
               <a:t>Source Files</a:t>
             </a:r>
@@ -1841,7 +1838,8 @@
                     <a:srgbClr val="ffdd33"/>
                   </a:solidFill>
                 </a:uFill>
-                <a:latin typeface="Nimbus Roman"/>
+                <a:latin typeface="Times New Roman"/>
+                <a:ea typeface="DejaVu Sans"/>
               </a:rPr>
               <a:t>, </a:t>
             </a:r>
@@ -1856,7 +1854,8 @@
                     <a:srgbClr val="ffdd33"/>
                   </a:solidFill>
                 </a:uFill>
-                <a:latin typeface="Nimbus Roman"/>
+                <a:latin typeface="Times New Roman"/>
+                <a:ea typeface="DejaVu Sans"/>
               </a:rPr>
               <a:t>sqlite.h</a:t>
             </a:r>
@@ -1871,7 +1870,8 @@
                     <a:srgbClr val="ffdd33"/>
                   </a:solidFill>
                 </a:uFill>
-                <a:latin typeface="Nimbus Roman"/>
+                <a:latin typeface="Times New Roman"/>
+                <a:ea typeface="DejaVu Sans"/>
               </a:rPr>
               <a:t> в </a:t>
             </a:r>
@@ -1886,7 +1886,8 @@
                     <a:srgbClr val="ffdd33"/>
                   </a:solidFill>
                 </a:uFill>
-                <a:latin typeface="Nimbus Roman"/>
+                <a:latin typeface="Times New Roman"/>
+                <a:ea typeface="DejaVu Sans"/>
               </a:rPr>
               <a:t>Header Files</a:t>
             </a:r>
@@ -1901,20 +1902,17 @@
                     <a:srgbClr val="ffdd33"/>
                   </a:solidFill>
                 </a:uFill>
-                <a:latin typeface="Nimbus Roman"/>
+                <a:latin typeface="Times New Roman"/>
+                <a:ea typeface="DejaVu Sans"/>
               </a:rPr>
               <a:t> (нажать правой кнопкой мыши на соотв. папку)</a:t>
             </a:r>
-            <a:endParaRPr b="0" lang="en-US" sz="1800" strike="noStrike" u="none">
-              <a:solidFill>
-                <a:srgbClr val="eeeeee"/>
+            <a:endParaRPr b="0" lang="ru-RU" sz="1800" strike="noStrike" u="none">
+              <a:solidFill>
+                <a:srgbClr val="ffffff"/>
               </a:solidFill>
               <a:effectLst/>
-              <a:uFill>
-                <a:solidFill>
-                  <a:srgbClr val="ffdd33"/>
-                </a:solidFill>
-              </a:uFill>
+              <a:uFillTx/>
               <a:latin typeface="Times New Roman"/>
             </a:endParaRPr>
           </a:p>
@@ -1923,13 +1921,13 @@
       <p:sp>
         <p:nvSpPr>
           <p:cNvPr id="98" name=""/>
-          <p:cNvSpPr txBox="1"/>
+          <p:cNvSpPr/>
           <p:nvPr/>
         </p:nvSpPr>
         <p:spPr>
           <a:xfrm>
-            <a:off x="695880" y="352080"/>
-            <a:ext cx="8692560" cy="649800"/>
+            <a:off x="1303200" y="97200"/>
+            <a:ext cx="7475760" cy="639000"/>
           </a:xfrm>
           <a:prstGeom prst="rect">
             <a:avLst/>
@@ -1939,30 +1937,40 @@
             <a:noFill/>
           </a:ln>
         </p:spPr>
+        <p:style>
+          <a:lnRef idx="0"/>
+          <a:fillRef idx="0"/>
+          <a:effectRef idx="0"/>
+          <a:fontRef idx="minor"/>
+        </p:style>
         <p:txBody>
-          <a:bodyPr wrap="none" lIns="90000" rIns="90000" tIns="45000" bIns="45000" anchor="b" anchorCtr="1">
+          <a:bodyPr wrap="none" lIns="90000" rIns="90000" tIns="45000" bIns="45000" anchor="t">
             <a:spAutoFit/>
           </a:bodyPr>
           <a:p>
-            <a:pPr algn="ctr"/>
-            <a:r>
-              <a:rPr b="0" lang="en-US" sz="4200" strike="noStrike" u="none">
+            <a:pPr algn="ctr">
+              <a:lnSpc>
+                <a:spcPct val="100000"/>
+              </a:lnSpc>
+            </a:pPr>
+            <a:r>
+              <a:rPr b="0" lang="en-US" sz="3600" strike="noStrike" u="none">
                 <a:solidFill>
                   <a:srgbClr val="eeeeee"/>
                 </a:solidFill>
                 <a:effectLst/>
                 <a:uFillTx/>
-                <a:latin typeface="Nimbus Roman"/>
+                <a:latin typeface="Times New Roman"/>
               </a:rPr>
               <a:t>Добавление сущ. файлов в проект VS</a:t>
             </a:r>
-            <a:endParaRPr b="0" lang="en-US" sz="4200" strike="noStrike" u="none">
+            <a:endParaRPr b="0" lang="ru-RU" sz="3600" strike="noStrike" u="none">
               <a:solidFill>
                 <a:srgbClr val="ffffff"/>
               </a:solidFill>
               <a:effectLst/>
               <a:uFillTx/>
-              <a:latin typeface="Noto Serif"/>
+              <a:latin typeface="Times New Roman"/>
             </a:endParaRPr>
           </a:p>
         </p:txBody>
@@ -2017,7 +2025,7 @@
         <p:spPr>
           <a:xfrm>
             <a:off x="504000" y="5004000"/>
-            <a:ext cx="9071280" cy="647640"/>
+            <a:ext cx="9070920" cy="647280"/>
           </a:xfrm>
           <a:prstGeom prst="rect">
             <a:avLst/>
@@ -2055,17 +2063,17 @@
                     <a:srgbClr val="ffdd33"/>
                   </a:solidFill>
                 </a:uFill>
-                <a:latin typeface="Nimbus Roman"/>
+                <a:latin typeface="Times New Roman"/>
               </a:rPr>
               <a:t>https://github.com/evtish/sqlite-cpp-example</a:t>
             </a:r>
-            <a:endParaRPr b="0" lang="en-US" sz="3200" strike="noStrike" u="none">
+            <a:endParaRPr b="0" lang="ru-RU" sz="3200" strike="noStrike" u="none">
               <a:solidFill>
                 <a:srgbClr val="ffffff"/>
               </a:solidFill>
               <a:effectLst/>
               <a:uFillTx/>
-              <a:latin typeface="Noto Serif"/>
+              <a:latin typeface="Times New Roman"/>
             </a:endParaRPr>
           </a:p>
         </p:txBody>
@@ -2083,7 +2091,7 @@
         <p:spPr>
           <a:xfrm>
             <a:off x="3156840" y="1107000"/>
-            <a:ext cx="3735000" cy="3735000"/>
+            <a:ext cx="3734640" cy="3734640"/>
           </a:xfrm>
           <a:prstGeom prst="rect">
             <a:avLst/>
@@ -2097,13 +2105,13 @@
       <p:sp>
         <p:nvSpPr>
           <p:cNvPr id="101" name=""/>
-          <p:cNvSpPr txBox="1"/>
+          <p:cNvSpPr/>
           <p:nvPr/>
         </p:nvSpPr>
         <p:spPr>
           <a:xfrm>
-            <a:off x="1172160" y="352440"/>
-            <a:ext cx="7741800" cy="649800"/>
+            <a:off x="1710000" y="97200"/>
+            <a:ext cx="6661800" cy="639000"/>
           </a:xfrm>
           <a:prstGeom prst="rect">
             <a:avLst/>
@@ -2113,30 +2121,40 @@
             <a:noFill/>
           </a:ln>
         </p:spPr>
+        <p:style>
+          <a:lnRef idx="0"/>
+          <a:fillRef idx="0"/>
+          <a:effectRef idx="0"/>
+          <a:fontRef idx="minor"/>
+        </p:style>
         <p:txBody>
-          <a:bodyPr wrap="none" lIns="90000" rIns="90000" tIns="45000" bIns="45000" anchor="b" anchorCtr="1">
+          <a:bodyPr wrap="none" lIns="90000" rIns="90000" tIns="45000" bIns="45000" anchor="t">
             <a:spAutoFit/>
           </a:bodyPr>
           <a:p>
-            <a:pPr algn="ctr"/>
-            <a:r>
-              <a:rPr b="0" lang="en-US" sz="4200" strike="noStrike" u="none">
+            <a:pPr algn="ctr">
+              <a:lnSpc>
+                <a:spcPct val="100000"/>
+              </a:lnSpc>
+            </a:pPr>
+            <a:r>
+              <a:rPr b="0" lang="en-US" sz="3600" strike="noStrike" u="none">
                 <a:solidFill>
                   <a:srgbClr val="eeeeee"/>
                 </a:solidFill>
                 <a:effectLst/>
                 <a:uFillTx/>
-                <a:latin typeface="Nimbus Roman"/>
+                <a:latin typeface="Times New Roman"/>
               </a:rPr>
               <a:t>Репозиторий с кодом и ссылками</a:t>
             </a:r>
-            <a:endParaRPr b="0" lang="en-US" sz="4200" strike="noStrike" u="none">
+            <a:endParaRPr b="0" lang="ru-RU" sz="3600" strike="noStrike" u="none">
               <a:solidFill>
                 <a:srgbClr val="ffffff"/>
               </a:solidFill>
               <a:effectLst/>
               <a:uFillTx/>
-              <a:latin typeface="Noto Serif"/>
+              <a:latin typeface="Times New Roman"/>
             </a:endParaRPr>
           </a:p>
         </p:txBody>
@@ -2181,13 +2199,13 @@
       <p:sp>
         <p:nvSpPr>
           <p:cNvPr id="9" name=""/>
-          <p:cNvSpPr txBox="1"/>
+          <p:cNvSpPr/>
           <p:nvPr/>
         </p:nvSpPr>
         <p:spPr>
           <a:xfrm>
-            <a:off x="2182680" y="97560"/>
-            <a:ext cx="5718600" cy="1157400"/>
+            <a:off x="847440" y="97560"/>
+            <a:ext cx="8388360" cy="639000"/>
           </a:xfrm>
           <a:prstGeom prst="rect">
             <a:avLst/>
@@ -2197,52 +2215,40 @@
             <a:noFill/>
           </a:ln>
         </p:spPr>
+        <p:style>
+          <a:lnRef idx="0"/>
+          <a:fillRef idx="0"/>
+          <a:effectRef idx="0"/>
+          <a:fontRef idx="minor"/>
+        </p:style>
         <p:txBody>
-          <a:bodyPr wrap="none" lIns="90000" rIns="90000" tIns="45000" bIns="45000" anchor="t" anchorCtr="1">
+          <a:bodyPr wrap="none" lIns="90000" rIns="90000" tIns="45000" bIns="45000" anchor="t">
             <a:spAutoFit/>
           </a:bodyPr>
           <a:p>
-            <a:pPr algn="ctr"/>
-            <a:r>
-              <a:rPr b="0" lang="en-US" sz="4200" strike="noStrike" u="none">
+            <a:pPr algn="ctr">
+              <a:lnSpc>
+                <a:spcPct val="100000"/>
+              </a:lnSpc>
+            </a:pPr>
+            <a:r>
+              <a:rPr b="0" lang="en-US" sz="3600" strike="noStrike" u="none">
                 <a:solidFill>
                   <a:srgbClr val="eeeeee"/>
                 </a:solidFill>
                 <a:effectLst/>
                 <a:uFillTx/>
-                <a:latin typeface="Nimbus Roman"/>
-              </a:rPr>
-              <a:t>DB Browser for SQLite:</a:t>
-            </a:r>
-            <a:endParaRPr b="0" lang="en-US" sz="4200" strike="noStrike" u="none">
+                <a:latin typeface="Times New Roman"/>
+              </a:rPr>
+              <a:t>DB Browser for SQLite: подключение к БД</a:t>
+            </a:r>
+            <a:endParaRPr b="0" lang="ru-RU" sz="3600" strike="noStrike" u="none">
               <a:solidFill>
                 <a:srgbClr val="ffffff"/>
               </a:solidFill>
               <a:effectLst/>
               <a:uFillTx/>
-              <a:latin typeface="Noto Serif"/>
-            </a:endParaRPr>
-          </a:p>
-          <a:p>
-            <a:pPr algn="ctr"/>
-            <a:r>
-              <a:rPr b="0" lang="en-US" sz="4200" strike="noStrike" u="none">
-                <a:solidFill>
-                  <a:srgbClr val="eeeeee"/>
-                </a:solidFill>
-                <a:effectLst/>
-                <a:uFillTx/>
-                <a:latin typeface="Nimbus Roman"/>
-              </a:rPr>
-              <a:t>подключение к БД</a:t>
-            </a:r>
-            <a:endParaRPr b="0" lang="en-US" sz="4200" strike="noStrike" u="none">
-              <a:solidFill>
-                <a:srgbClr val="ffffff"/>
-              </a:solidFill>
-              <a:effectLst/>
-              <a:uFillTx/>
-              <a:latin typeface="Noto Serif"/>
+              <a:latin typeface="Times New Roman"/>
             </a:endParaRPr>
           </a:p>
         </p:txBody>
@@ -2259,8 +2265,8 @@
         </p:nvSpPr>
         <p:spPr>
           <a:xfrm>
-            <a:off x="6298560" y="1105200"/>
-            <a:ext cx="2046600" cy="946800"/>
+            <a:off x="6298560" y="1104840"/>
+            <a:ext cx="2046240" cy="947160"/>
           </a:xfrm>
           <a:prstGeom prst="rect">
             <a:avLst/>
@@ -2291,17 +2297,17 @@
                 </a:solidFill>
                 <a:effectLst/>
                 <a:uFillTx/>
-                <a:latin typeface="Nimbus Roman"/>
+                <a:latin typeface="Times New Roman"/>
               </a:rPr>
               <a:t>русский</a:t>
             </a:r>
-            <a:endParaRPr b="0" lang="en-US" sz="3200" strike="noStrike" u="none">
+            <a:endParaRPr b="0" lang="ru-RU" sz="3200" strike="noStrike" u="none">
               <a:solidFill>
                 <a:srgbClr val="ffffff"/>
               </a:solidFill>
               <a:effectLst/>
               <a:uFillTx/>
-              <a:latin typeface="Noto Serif"/>
+              <a:latin typeface="Times New Roman"/>
             </a:endParaRPr>
           </a:p>
         </p:txBody>
@@ -2315,7 +2321,7 @@
         <p:spPr>
           <a:xfrm>
             <a:off x="1267560" y="1331640"/>
-            <a:ext cx="2924640" cy="488520"/>
+            <a:ext cx="2924280" cy="488160"/>
           </a:xfrm>
           <a:prstGeom prst="rect">
             <a:avLst/>
@@ -2348,13 +2354,14 @@
                 </a:solidFill>
                 <a:effectLst/>
                 <a:uFillTx/>
-                <a:latin typeface="Nimbus Roman"/>
+                <a:latin typeface="Times New Roman"/>
+                <a:ea typeface="DejaVu Sans"/>
               </a:rPr>
               <a:t>английский</a:t>
             </a:r>
-            <a:endParaRPr b="0" lang="en-US" sz="3200" strike="noStrike" u="none">
-              <a:solidFill>
-                <a:srgbClr val="eeeeee"/>
+            <a:endParaRPr b="0" lang="ru-RU" sz="3200" strike="noStrike" u="none">
+              <a:solidFill>
+                <a:srgbClr val="ffffff"/>
               </a:solidFill>
               <a:effectLst/>
               <a:uFillTx/>
@@ -2372,9 +2379,9 @@
         <p:grpSpPr>
           <a:xfrm>
             <a:off x="914400" y="2919960"/>
-            <a:ext cx="3645000" cy="1109160"/>
+            <a:ext cx="3644640" cy="1108800"/>
             <a:chOff x="914400" y="2919960"/>
-            <a:chExt cx="3645000" cy="1109160"/>
+            <a:chExt cx="3644640" cy="1108800"/>
           </a:xfrm>
         </p:grpSpPr>
         <p:pic>
@@ -2390,7 +2397,7 @@
           <p:spPr>
             <a:xfrm>
               <a:off x="914400" y="2919960"/>
-              <a:ext cx="3645000" cy="1109160"/>
+              <a:ext cx="3644640" cy="1108800"/>
             </a:xfrm>
             <a:prstGeom prst="rect">
               <a:avLst/>
@@ -2410,7 +2417,7 @@
           <p:spPr>
             <a:xfrm>
               <a:off x="1008000" y="3113640"/>
-              <a:ext cx="817200" cy="217080"/>
+              <a:ext cx="816840" cy="216720"/>
             </a:xfrm>
             <a:prstGeom prst="rect">
               <a:avLst/>
@@ -2434,6 +2441,11 @@
               <a:noAutofit/>
             </a:bodyPr>
             <a:p>
+              <a:pPr>
+                <a:lnSpc>
+                  <a:spcPct val="100000"/>
+                </a:lnSpc>
+              </a:pPr>
               <a:endParaRPr b="0" lang="en-US" sz="1800" strike="noStrike" u="none">
                 <a:solidFill>
                   <a:srgbClr val="ffffff"/>
@@ -2441,6 +2453,7 @@
                 <a:effectLst/>
                 <a:uFillTx/>
                 <a:latin typeface="Noto Serif"/>
+                <a:ea typeface="DejaVu Sans"/>
               </a:endParaRPr>
             </a:p>
           </p:txBody>
@@ -2454,7 +2467,7 @@
           <p:spPr>
             <a:xfrm>
               <a:off x="1836000" y="3113640"/>
-              <a:ext cx="1009440" cy="217080"/>
+              <a:ext cx="1009080" cy="216720"/>
             </a:xfrm>
             <a:prstGeom prst="rect">
               <a:avLst/>
@@ -2478,6 +2491,11 @@
               <a:noAutofit/>
             </a:bodyPr>
             <a:p>
+              <a:pPr>
+                <a:lnSpc>
+                  <a:spcPct val="100000"/>
+                </a:lnSpc>
+              </a:pPr>
               <a:endParaRPr b="0" lang="en-US" sz="1800" strike="noStrike" u="none">
                 <a:solidFill>
                   <a:srgbClr val="ffffff"/>
@@ -2485,6 +2503,7 @@
                 <a:effectLst/>
                 <a:uFillTx/>
                 <a:latin typeface="Noto Serif"/>
+                <a:ea typeface="DejaVu Sans"/>
               </a:endParaRPr>
             </a:p>
           </p:txBody>
@@ -2499,9 +2518,9 @@
         <p:grpSpPr>
           <a:xfrm>
             <a:off x="5522040" y="2949120"/>
-            <a:ext cx="3599280" cy="1050840"/>
+            <a:ext cx="3598920" cy="1050480"/>
             <a:chOff x="5522040" y="2949120"/>
-            <a:chExt cx="3599280" cy="1050840"/>
+            <a:chExt cx="3598920" cy="1050480"/>
           </a:xfrm>
         </p:grpSpPr>
         <p:pic>
@@ -2517,7 +2536,7 @@
           <p:spPr>
             <a:xfrm>
               <a:off x="5522040" y="2949120"/>
-              <a:ext cx="3599280" cy="1050840"/>
+              <a:ext cx="3598920" cy="1050480"/>
             </a:xfrm>
             <a:prstGeom prst="rect">
               <a:avLst/>
@@ -2537,7 +2556,7 @@
           <p:spPr>
             <a:xfrm>
               <a:off x="5588640" y="3113640"/>
-              <a:ext cx="817200" cy="217080"/>
+              <a:ext cx="816840" cy="216720"/>
             </a:xfrm>
             <a:prstGeom prst="rect">
               <a:avLst/>
@@ -2561,6 +2580,11 @@
               <a:noAutofit/>
             </a:bodyPr>
             <a:p>
+              <a:pPr>
+                <a:lnSpc>
+                  <a:spcPct val="100000"/>
+                </a:lnSpc>
+              </a:pPr>
               <a:endParaRPr b="0" lang="en-US" sz="1800" strike="noStrike" u="none">
                 <a:solidFill>
                   <a:srgbClr val="ffffff"/>
@@ -2568,6 +2592,7 @@
                 <a:effectLst/>
                 <a:uFillTx/>
                 <a:latin typeface="Noto Serif"/>
+                <a:ea typeface="DejaVu Sans"/>
               </a:endParaRPr>
             </a:p>
           </p:txBody>
@@ -2581,7 +2606,7 @@
           <p:spPr>
             <a:xfrm>
               <a:off x="6416640" y="3113640"/>
-              <a:ext cx="1009440" cy="217080"/>
+              <a:ext cx="1009080" cy="216720"/>
             </a:xfrm>
             <a:prstGeom prst="rect">
               <a:avLst/>
@@ -2605,6 +2630,11 @@
               <a:noAutofit/>
             </a:bodyPr>
             <a:p>
+              <a:pPr>
+                <a:lnSpc>
+                  <a:spcPct val="100000"/>
+                </a:lnSpc>
+              </a:pPr>
               <a:endParaRPr b="0" lang="en-US" sz="1800" strike="noStrike" u="none">
                 <a:solidFill>
                   <a:srgbClr val="ffffff"/>
@@ -2612,6 +2642,7 @@
                 <a:effectLst/>
                 <a:uFillTx/>
                 <a:latin typeface="Noto Serif"/>
+                <a:ea typeface="DejaVu Sans"/>
               </a:endParaRPr>
             </a:p>
           </p:txBody>
@@ -2666,8 +2697,8 @@
         </p:nvSpPr>
         <p:spPr>
           <a:xfrm>
-            <a:off x="6298560" y="1105200"/>
-            <a:ext cx="2046600" cy="946800"/>
+            <a:off x="6298560" y="1104840"/>
+            <a:ext cx="2046240" cy="947160"/>
           </a:xfrm>
           <a:prstGeom prst="rect">
             <a:avLst/>
@@ -2698,17 +2729,17 @@
                 </a:solidFill>
                 <a:effectLst/>
                 <a:uFillTx/>
-                <a:latin typeface="Nimbus Roman"/>
+                <a:latin typeface="Times New Roman"/>
               </a:rPr>
               <a:t>русский</a:t>
             </a:r>
-            <a:endParaRPr b="0" lang="en-US" sz="3200" strike="noStrike" u="none">
+            <a:endParaRPr b="0" lang="ru-RU" sz="3200" strike="noStrike" u="none">
               <a:solidFill>
                 <a:srgbClr val="ffffff"/>
               </a:solidFill>
               <a:effectLst/>
               <a:uFillTx/>
-              <a:latin typeface="Noto Serif"/>
+              <a:latin typeface="Times New Roman"/>
             </a:endParaRPr>
           </a:p>
         </p:txBody>
@@ -2722,7 +2753,7 @@
         <p:spPr>
           <a:xfrm>
             <a:off x="1267560" y="1331640"/>
-            <a:ext cx="2924640" cy="488520"/>
+            <a:ext cx="2924280" cy="488160"/>
           </a:xfrm>
           <a:prstGeom prst="rect">
             <a:avLst/>
@@ -2755,13 +2786,14 @@
                 </a:solidFill>
                 <a:effectLst/>
                 <a:uFillTx/>
-                <a:latin typeface="Nimbus Roman"/>
+                <a:latin typeface="Times New Roman"/>
+                <a:ea typeface="DejaVu Sans"/>
               </a:rPr>
               <a:t>английский</a:t>
             </a:r>
-            <a:endParaRPr b="0" lang="en-US" sz="3200" strike="noStrike" u="none">
-              <a:solidFill>
-                <a:srgbClr val="eeeeee"/>
+            <a:endParaRPr b="0" lang="ru-RU" sz="3200" strike="noStrike" u="none">
+              <a:solidFill>
+                <a:srgbClr val="ffffff"/>
               </a:solidFill>
               <a:effectLst/>
               <a:uFillTx/>
@@ -2773,13 +2805,13 @@
       <p:sp>
         <p:nvSpPr>
           <p:cNvPr id="22" name=""/>
-          <p:cNvSpPr txBox="1"/>
+          <p:cNvSpPr/>
           <p:nvPr/>
         </p:nvSpPr>
         <p:spPr>
           <a:xfrm>
-            <a:off x="2183040" y="97920"/>
-            <a:ext cx="5718600" cy="1157400"/>
+            <a:off x="911880" y="97920"/>
+            <a:ext cx="8260560" cy="639000"/>
           </a:xfrm>
           <a:prstGeom prst="rect">
             <a:avLst/>
@@ -2789,96 +2821,40 @@
             <a:noFill/>
           </a:ln>
         </p:spPr>
+        <p:style>
+          <a:lnRef idx="0"/>
+          <a:fillRef idx="0"/>
+          <a:effectRef idx="0"/>
+          <a:fontRef idx="minor"/>
+        </p:style>
         <p:txBody>
-          <a:bodyPr wrap="none" lIns="90000" rIns="90000" tIns="45000" bIns="45000" anchor="t" anchorCtr="1">
+          <a:bodyPr wrap="none" lIns="90000" rIns="90000" tIns="45000" bIns="45000" anchor="t">
             <a:spAutoFit/>
           </a:bodyPr>
           <a:p>
-            <a:pPr algn="ctr"/>
-            <a:r>
-              <a:rPr b="0" lang="en-US" sz="4200" strike="noStrike" u="none">
+            <a:pPr algn="ctr">
+              <a:lnSpc>
+                <a:spcPct val="100000"/>
+              </a:lnSpc>
+            </a:pPr>
+            <a:r>
+              <a:rPr b="0" lang="en-US" sz="3600" strike="noStrike" u="none">
                 <a:solidFill>
                   <a:srgbClr val="eeeeee"/>
                 </a:solidFill>
                 <a:effectLst/>
                 <a:uFillTx/>
-                <a:latin typeface="Nimbus Roman"/>
-              </a:rPr>
-              <a:t>DB </a:t>
-            </a:r>
-            <a:r>
-              <a:rPr b="0" lang="en-US" sz="4200" strike="noStrike" u="none">
-                <a:solidFill>
-                  <a:srgbClr val="eeeeee"/>
-                </a:solidFill>
-                <a:effectLst/>
-                <a:uFillTx/>
-                <a:latin typeface="Nimbus Roman"/>
-              </a:rPr>
-              <a:t>Browser </a:t>
-            </a:r>
-            <a:r>
-              <a:rPr b="0" lang="en-US" sz="4200" strike="noStrike" u="none">
-                <a:solidFill>
-                  <a:srgbClr val="eeeeee"/>
-                </a:solidFill>
-                <a:effectLst/>
-                <a:uFillTx/>
-                <a:latin typeface="Nimbus Roman"/>
-              </a:rPr>
-              <a:t>for </a:t>
-            </a:r>
-            <a:r>
-              <a:rPr b="0" lang="en-US" sz="4200" strike="noStrike" u="none">
-                <a:solidFill>
-                  <a:srgbClr val="eeeeee"/>
-                </a:solidFill>
-                <a:effectLst/>
-                <a:uFillTx/>
-                <a:latin typeface="Nimbus Roman"/>
-              </a:rPr>
-              <a:t>SQLite:</a:t>
-            </a:r>
-            <a:endParaRPr b="0" lang="en-US" sz="4200" strike="noStrike" u="none">
+                <a:latin typeface="Times New Roman"/>
+              </a:rPr>
+              <a:t>DB Browser for SQLite: создание таблицы</a:t>
+            </a:r>
+            <a:endParaRPr b="0" lang="ru-RU" sz="3600" strike="noStrike" u="none">
               <a:solidFill>
                 <a:srgbClr val="ffffff"/>
               </a:solidFill>
               <a:effectLst/>
               <a:uFillTx/>
-              <a:latin typeface="Noto Serif"/>
-            </a:endParaRPr>
-          </a:p>
-          <a:p>
-            <a:pPr algn="ctr"/>
-            <a:r>
-              <a:rPr b="0" lang="en-US" sz="4200" strike="noStrike" u="none">
-                <a:solidFill>
-                  <a:srgbClr val="eeeeee"/>
-                </a:solidFill>
-                <a:effectLst/>
-                <a:uFillTx/>
-                <a:latin typeface="Nimbus Roman"/>
-              </a:rPr>
-              <a:t>создание </a:t>
-            </a:r>
-            <a:r>
-              <a:rPr b="0" lang="en-US" sz="4200" strike="noStrike" u="none">
-                <a:solidFill>
-                  <a:srgbClr val="eeeeee"/>
-                </a:solidFill>
-                <a:effectLst/>
-                <a:uFillTx/>
-                <a:latin typeface="Nimbus Roman"/>
-              </a:rPr>
-              <a:t>таблицы</a:t>
-            </a:r>
-            <a:endParaRPr b="0" lang="en-US" sz="4200" strike="noStrike" u="none">
-              <a:solidFill>
-                <a:srgbClr val="ffffff"/>
-              </a:solidFill>
-              <a:effectLst/>
-              <a:uFillTx/>
-              <a:latin typeface="Noto Serif"/>
+              <a:latin typeface="Times New Roman"/>
             </a:endParaRPr>
           </a:p>
         </p:txBody>
@@ -2892,9 +2868,9 @@
         <p:grpSpPr>
           <a:xfrm>
             <a:off x="667800" y="2743200"/>
-            <a:ext cx="4132800" cy="1966320"/>
+            <a:ext cx="4132440" cy="1965960"/>
             <a:chOff x="667800" y="2743200"/>
-            <a:chExt cx="4132800" cy="1966320"/>
+            <a:chExt cx="4132440" cy="1965960"/>
           </a:xfrm>
         </p:grpSpPr>
         <p:pic>
@@ -2910,7 +2886,7 @@
           <p:spPr>
             <a:xfrm>
               <a:off x="667800" y="2743200"/>
-              <a:ext cx="4132800" cy="1966320"/>
+              <a:ext cx="4132440" cy="1965960"/>
             </a:xfrm>
             <a:prstGeom prst="rect">
               <a:avLst/>
@@ -2930,7 +2906,7 @@
           <p:spPr>
             <a:xfrm>
               <a:off x="724680" y="3499200"/>
-              <a:ext cx="963720" cy="289080"/>
+              <a:ext cx="963360" cy="288720"/>
             </a:xfrm>
             <a:prstGeom prst="rect">
               <a:avLst/>
@@ -2954,6 +2930,11 @@
               <a:noAutofit/>
             </a:bodyPr>
             <a:p>
+              <a:pPr>
+                <a:lnSpc>
+                  <a:spcPct val="100000"/>
+                </a:lnSpc>
+              </a:pPr>
               <a:endParaRPr b="0" lang="en-US" sz="1800" strike="noStrike" u="none">
                 <a:solidFill>
                   <a:srgbClr val="ffffff"/>
@@ -2961,6 +2942,7 @@
                 <a:effectLst/>
                 <a:uFillTx/>
                 <a:latin typeface="Noto Serif"/>
+                <a:ea typeface="DejaVu Sans"/>
               </a:endParaRPr>
             </a:p>
           </p:txBody>
@@ -2975,9 +2957,9 @@
         <p:grpSpPr>
           <a:xfrm>
             <a:off x="5257800" y="2750760"/>
-            <a:ext cx="4224240" cy="1951560"/>
+            <a:ext cx="4223880" cy="1951200"/>
             <a:chOff x="5257800" y="2750760"/>
-            <a:chExt cx="4224240" cy="1951560"/>
+            <a:chExt cx="4223880" cy="1951200"/>
           </a:xfrm>
         </p:grpSpPr>
         <p:pic>
@@ -2993,7 +2975,7 @@
           <p:spPr>
             <a:xfrm>
               <a:off x="5257800" y="2750760"/>
-              <a:ext cx="4224240" cy="1951560"/>
+              <a:ext cx="4223880" cy="1951200"/>
             </a:xfrm>
             <a:prstGeom prst="rect">
               <a:avLst/>
@@ -3013,7 +2995,7 @@
           <p:spPr>
             <a:xfrm>
               <a:off x="5313960" y="3486240"/>
-              <a:ext cx="1219320" cy="289080"/>
+              <a:ext cx="1218960" cy="288720"/>
             </a:xfrm>
             <a:prstGeom prst="rect">
               <a:avLst/>
@@ -3037,6 +3019,11 @@
               <a:noAutofit/>
             </a:bodyPr>
             <a:p>
+              <a:pPr>
+                <a:lnSpc>
+                  <a:spcPct val="100000"/>
+                </a:lnSpc>
+              </a:pPr>
               <a:endParaRPr b="0" lang="en-US" sz="1800" strike="noStrike" u="none">
                 <a:solidFill>
                   <a:srgbClr val="ffffff"/>
@@ -3044,6 +3031,7 @@
                 <a:effectLst/>
                 <a:uFillTx/>
                 <a:latin typeface="Noto Serif"/>
+                <a:ea typeface="DejaVu Sans"/>
               </a:endParaRPr>
             </a:p>
           </p:txBody>
@@ -3098,8 +3086,8 @@
         </p:nvSpPr>
         <p:spPr>
           <a:xfrm>
-            <a:off x="6298560" y="1105200"/>
-            <a:ext cx="2046600" cy="946800"/>
+            <a:off x="6298560" y="1104840"/>
+            <a:ext cx="2046240" cy="947160"/>
           </a:xfrm>
           <a:prstGeom prst="rect">
             <a:avLst/>
@@ -3130,17 +3118,17 @@
                 </a:solidFill>
                 <a:effectLst/>
                 <a:uFillTx/>
-                <a:latin typeface="Nimbus Roman"/>
+                <a:latin typeface="Times New Roman"/>
               </a:rPr>
               <a:t>русский</a:t>
             </a:r>
-            <a:endParaRPr b="0" lang="en-US" sz="3200" strike="noStrike" u="none">
+            <a:endParaRPr b="0" lang="ru-RU" sz="3200" strike="noStrike" u="none">
               <a:solidFill>
                 <a:srgbClr val="ffffff"/>
               </a:solidFill>
               <a:effectLst/>
               <a:uFillTx/>
-              <a:latin typeface="Noto Serif"/>
+              <a:latin typeface="Times New Roman"/>
             </a:endParaRPr>
           </a:p>
         </p:txBody>
@@ -3154,7 +3142,7 @@
         <p:spPr>
           <a:xfrm>
             <a:off x="1267560" y="1331640"/>
-            <a:ext cx="2924640" cy="488520"/>
+            <a:ext cx="2924280" cy="488160"/>
           </a:xfrm>
           <a:prstGeom prst="rect">
             <a:avLst/>
@@ -3187,13 +3175,14 @@
                 </a:solidFill>
                 <a:effectLst/>
                 <a:uFillTx/>
-                <a:latin typeface="Nimbus Roman"/>
+                <a:latin typeface="Times New Roman"/>
+                <a:ea typeface="DejaVu Sans"/>
               </a:rPr>
               <a:t>английский</a:t>
             </a:r>
-            <a:endParaRPr b="0" lang="en-US" sz="3200" strike="noStrike" u="none">
-              <a:solidFill>
-                <a:srgbClr val="eeeeee"/>
+            <a:endParaRPr b="0" lang="ru-RU" sz="3200" strike="noStrike" u="none">
+              <a:solidFill>
+                <a:srgbClr val="ffffff"/>
               </a:solidFill>
               <a:effectLst/>
               <a:uFillTx/>
@@ -3205,13 +3194,13 @@
       <p:sp>
         <p:nvSpPr>
           <p:cNvPr id="31" name=""/>
-          <p:cNvSpPr txBox="1"/>
+          <p:cNvSpPr/>
           <p:nvPr/>
         </p:nvSpPr>
         <p:spPr>
           <a:xfrm>
-            <a:off x="2183400" y="98280"/>
-            <a:ext cx="5718600" cy="1157400"/>
+            <a:off x="975960" y="98280"/>
+            <a:ext cx="8132760" cy="639000"/>
           </a:xfrm>
           <a:prstGeom prst="rect">
             <a:avLst/>
@@ -3221,52 +3210,40 @@
             <a:noFill/>
           </a:ln>
         </p:spPr>
+        <p:style>
+          <a:lnRef idx="0"/>
+          <a:fillRef idx="0"/>
+          <a:effectRef idx="0"/>
+          <a:fontRef idx="minor"/>
+        </p:style>
         <p:txBody>
-          <a:bodyPr wrap="none" lIns="90000" rIns="90000" tIns="45000" bIns="45000" anchor="t" anchorCtr="1">
+          <a:bodyPr wrap="none" lIns="90000" rIns="90000" tIns="45000" bIns="45000" anchor="t">
             <a:spAutoFit/>
           </a:bodyPr>
           <a:p>
-            <a:pPr algn="ctr"/>
-            <a:r>
-              <a:rPr b="0" lang="en-US" sz="4200" strike="noStrike" u="none">
+            <a:pPr algn="ctr">
+              <a:lnSpc>
+                <a:spcPct val="100000"/>
+              </a:lnSpc>
+            </a:pPr>
+            <a:r>
+              <a:rPr b="0" lang="en-US" sz="3600" strike="noStrike" u="none">
                 <a:solidFill>
                   <a:srgbClr val="eeeeee"/>
                 </a:solidFill>
                 <a:effectLst/>
                 <a:uFillTx/>
-                <a:latin typeface="Nimbus Roman"/>
-              </a:rPr>
-              <a:t>DB Browser for SQLite:</a:t>
-            </a:r>
-            <a:endParaRPr b="0" lang="en-US" sz="4200" strike="noStrike" u="none">
+                <a:latin typeface="Times New Roman"/>
+              </a:rPr>
+              <a:t>DB Browser for SQLite: создание столбца</a:t>
+            </a:r>
+            <a:endParaRPr b="0" lang="ru-RU" sz="3600" strike="noStrike" u="none">
               <a:solidFill>
                 <a:srgbClr val="ffffff"/>
               </a:solidFill>
               <a:effectLst/>
               <a:uFillTx/>
-              <a:latin typeface="Noto Serif"/>
-            </a:endParaRPr>
-          </a:p>
-          <a:p>
-            <a:pPr algn="ctr"/>
-            <a:r>
-              <a:rPr b="0" lang="en-US" sz="4200" strike="noStrike" u="none">
-                <a:solidFill>
-                  <a:srgbClr val="eeeeee"/>
-                </a:solidFill>
-                <a:effectLst/>
-                <a:uFillTx/>
-                <a:latin typeface="Nimbus Roman"/>
-              </a:rPr>
-              <a:t>создание столбца</a:t>
-            </a:r>
-            <a:endParaRPr b="0" lang="en-US" sz="4200" strike="noStrike" u="none">
-              <a:solidFill>
-                <a:srgbClr val="ffffff"/>
-              </a:solidFill>
-              <a:effectLst/>
-              <a:uFillTx/>
-              <a:latin typeface="Noto Serif"/>
+              <a:latin typeface="Times New Roman"/>
             </a:endParaRPr>
           </a:p>
         </p:txBody>
@@ -3280,9 +3257,9 @@
         <p:grpSpPr>
           <a:xfrm>
             <a:off x="457200" y="2030400"/>
-            <a:ext cx="4343040" cy="3409920"/>
+            <a:ext cx="4342680" cy="3409560"/>
             <a:chOff x="457200" y="2030400"/>
-            <a:chExt cx="4343040" cy="3409920"/>
+            <a:chExt cx="4342680" cy="3409560"/>
           </a:xfrm>
         </p:grpSpPr>
         <p:pic>
@@ -3298,7 +3275,7 @@
           <p:spPr>
             <a:xfrm>
               <a:off x="457200" y="2030400"/>
-              <a:ext cx="4343040" cy="3409920"/>
+              <a:ext cx="4342680" cy="3409560"/>
             </a:xfrm>
             <a:prstGeom prst="rect">
               <a:avLst/>
@@ -3318,7 +3295,7 @@
           <p:spPr>
             <a:xfrm>
               <a:off x="518760" y="2365920"/>
-              <a:ext cx="938160" cy="239040"/>
+              <a:ext cx="937800" cy="238680"/>
             </a:xfrm>
             <a:prstGeom prst="rect">
               <a:avLst/>
@@ -3342,6 +3319,11 @@
               <a:noAutofit/>
             </a:bodyPr>
             <a:p>
+              <a:pPr>
+                <a:lnSpc>
+                  <a:spcPct val="100000"/>
+                </a:lnSpc>
+              </a:pPr>
               <a:endParaRPr b="0" lang="en-US" sz="1800" strike="noStrike" u="none">
                 <a:solidFill>
                   <a:srgbClr val="ffffff"/>
@@ -3349,6 +3331,7 @@
                 <a:effectLst/>
                 <a:uFillTx/>
                 <a:latin typeface="Noto Serif"/>
+                <a:ea typeface="DejaVu Sans"/>
               </a:endParaRPr>
             </a:p>
           </p:txBody>
@@ -3362,7 +3345,7 @@
           <p:spPr>
             <a:xfrm>
               <a:off x="518760" y="2977920"/>
-              <a:ext cx="405360" cy="216360"/>
+              <a:ext cx="405000" cy="216000"/>
             </a:xfrm>
             <a:prstGeom prst="rect">
               <a:avLst/>
@@ -3386,6 +3369,11 @@
               <a:noAutofit/>
             </a:bodyPr>
             <a:p>
+              <a:pPr>
+                <a:lnSpc>
+                  <a:spcPct val="100000"/>
+                </a:lnSpc>
+              </a:pPr>
               <a:endParaRPr b="0" lang="en-US" sz="1800" strike="noStrike" u="none">
                 <a:solidFill>
                   <a:srgbClr val="ffffff"/>
@@ -3393,6 +3381,7 @@
                 <a:effectLst/>
                 <a:uFillTx/>
                 <a:latin typeface="Noto Serif"/>
+                <a:ea typeface="DejaVu Sans"/>
               </a:endParaRPr>
             </a:p>
           </p:txBody>
@@ -3407,9 +3396,9 @@
         <p:grpSpPr>
           <a:xfrm>
             <a:off x="5257800" y="2057400"/>
-            <a:ext cx="4315680" cy="3382920"/>
+            <a:ext cx="4315320" cy="3382560"/>
             <a:chOff x="5257800" y="2057400"/>
-            <a:chExt cx="4315680" cy="3382920"/>
+            <a:chExt cx="4315320" cy="3382560"/>
           </a:xfrm>
         </p:grpSpPr>
         <p:pic>
@@ -3425,7 +3414,7 @@
           <p:spPr>
             <a:xfrm>
               <a:off x="5257800" y="2057400"/>
-              <a:ext cx="4315680" cy="3382920"/>
+              <a:ext cx="4315320" cy="3382560"/>
             </a:xfrm>
             <a:prstGeom prst="rect">
               <a:avLst/>
@@ -3445,7 +3434,7 @@
           <p:spPr>
             <a:xfrm>
               <a:off x="5326200" y="2378880"/>
-              <a:ext cx="938160" cy="229680"/>
+              <a:ext cx="937800" cy="229320"/>
             </a:xfrm>
             <a:prstGeom prst="rect">
               <a:avLst/>
@@ -3469,6 +3458,11 @@
               <a:noAutofit/>
             </a:bodyPr>
             <a:p>
+              <a:pPr>
+                <a:lnSpc>
+                  <a:spcPct val="100000"/>
+                </a:lnSpc>
+              </a:pPr>
               <a:endParaRPr b="0" lang="en-US" sz="1800" strike="noStrike" u="none">
                 <a:solidFill>
                   <a:srgbClr val="ffffff"/>
@@ -3476,6 +3470,7 @@
                 <a:effectLst/>
                 <a:uFillTx/>
                 <a:latin typeface="Noto Serif"/>
+                <a:ea typeface="DejaVu Sans"/>
               </a:endParaRPr>
             </a:p>
           </p:txBody>
@@ -3489,7 +3484,7 @@
           <p:spPr>
             <a:xfrm>
               <a:off x="5326200" y="2984040"/>
-              <a:ext cx="393120" cy="216360"/>
+              <a:ext cx="392760" cy="216000"/>
             </a:xfrm>
             <a:prstGeom prst="rect">
               <a:avLst/>
@@ -3513,6 +3508,11 @@
               <a:noAutofit/>
             </a:bodyPr>
             <a:p>
+              <a:pPr>
+                <a:lnSpc>
+                  <a:spcPct val="100000"/>
+                </a:lnSpc>
+              </a:pPr>
               <a:endParaRPr b="0" lang="en-US" sz="1800" strike="noStrike" u="none">
                 <a:solidFill>
                   <a:srgbClr val="ffffff"/>
@@ -3520,6 +3520,7 @@
                 <a:effectLst/>
                 <a:uFillTx/>
                 <a:latin typeface="Noto Serif"/>
+                <a:ea typeface="DejaVu Sans"/>
               </a:endParaRPr>
             </a:p>
           </p:txBody>
@@ -3564,7 +3565,64 @@
       </p:grpSpPr>
       <p:sp>
         <p:nvSpPr>
-          <p:cNvPr id="40" name="PlaceHolder 1"/>
+          <p:cNvPr id="40" name=""/>
+          <p:cNvSpPr/>
+          <p:nvPr/>
+        </p:nvSpPr>
+        <p:spPr>
+          <a:xfrm>
+            <a:off x="453960" y="97200"/>
+            <a:ext cx="9174960" cy="638280"/>
+          </a:xfrm>
+          <a:prstGeom prst="rect">
+            <a:avLst/>
+          </a:prstGeom>
+          <a:noFill/>
+          <a:ln w="73080">
+            <a:noFill/>
+          </a:ln>
+        </p:spPr>
+        <p:style>
+          <a:lnRef idx="0"/>
+          <a:fillRef idx="0"/>
+          <a:effectRef idx="0"/>
+          <a:fontRef idx="minor"/>
+        </p:style>
+        <p:txBody>
+          <a:bodyPr wrap="none" lIns="90000" rIns="90000" tIns="45000" bIns="45000" anchor="t">
+            <a:spAutoFit/>
+          </a:bodyPr>
+          <a:p>
+            <a:pPr algn="ctr">
+              <a:lnSpc>
+                <a:spcPct val="100000"/>
+              </a:lnSpc>
+            </a:pPr>
+            <a:r>
+              <a:rPr b="0" lang="en-US" sz="3600" strike="noStrike" u="none">
+                <a:solidFill>
+                  <a:srgbClr val="eeeeee"/>
+                </a:solidFill>
+                <a:effectLst/>
+                <a:uFillTx/>
+                <a:latin typeface="Times New Roman"/>
+              </a:rPr>
+              <a:t>DB Browser for SQLite: сохранение изменений</a:t>
+            </a:r>
+            <a:endParaRPr b="0" lang="ru-RU" sz="3600" strike="noStrike" u="none">
+              <a:solidFill>
+                <a:srgbClr val="ffffff"/>
+              </a:solidFill>
+              <a:effectLst/>
+              <a:uFillTx/>
+              <a:latin typeface="Times New Roman"/>
+            </a:endParaRPr>
+          </a:p>
+        </p:txBody>
+      </p:sp>
+      <p:sp>
+        <p:nvSpPr>
+          <p:cNvPr id="41" name="PlaceHolder 1"/>
           <p:cNvSpPr>
             <a:spLocks noGrp="1"/>
           </p:cNvSpPr>
@@ -3574,8 +3632,8 @@
         </p:nvSpPr>
         <p:spPr>
           <a:xfrm>
-            <a:off x="6298560" y="1105200"/>
-            <a:ext cx="2046600" cy="946800"/>
+            <a:off x="6298560" y="1104840"/>
+            <a:ext cx="2046240" cy="947160"/>
           </a:xfrm>
           <a:prstGeom prst="rect">
             <a:avLst/>
@@ -3606,31 +3664,31 @@
                 </a:solidFill>
                 <a:effectLst/>
                 <a:uFillTx/>
-                <a:latin typeface="Nimbus Roman"/>
+                <a:latin typeface="Times New Roman"/>
               </a:rPr>
               <a:t>русский</a:t>
             </a:r>
-            <a:endParaRPr b="0" lang="en-US" sz="3200" strike="noStrike" u="none">
+            <a:endParaRPr b="0" lang="ru-RU" sz="3200" strike="noStrike" u="none">
               <a:solidFill>
                 <a:srgbClr val="ffffff"/>
               </a:solidFill>
               <a:effectLst/>
               <a:uFillTx/>
-              <a:latin typeface="Noto Serif"/>
+              <a:latin typeface="Times New Roman"/>
             </a:endParaRPr>
           </a:p>
         </p:txBody>
       </p:sp>
       <p:sp>
         <p:nvSpPr>
-          <p:cNvPr id="41" name=""/>
+          <p:cNvPr id="42" name=""/>
           <p:cNvSpPr/>
           <p:nvPr/>
         </p:nvSpPr>
         <p:spPr>
           <a:xfrm>
             <a:off x="1267560" y="1331640"/>
-            <a:ext cx="2924640" cy="488520"/>
+            <a:ext cx="2924280" cy="488160"/>
           </a:xfrm>
           <a:prstGeom prst="rect">
             <a:avLst/>
@@ -3663,86 +3721,18 @@
                 </a:solidFill>
                 <a:effectLst/>
                 <a:uFillTx/>
-                <a:latin typeface="Nimbus Roman"/>
+                <a:latin typeface="Times New Roman"/>
+                <a:ea typeface="DejaVu Sans"/>
               </a:rPr>
               <a:t>английский</a:t>
             </a:r>
-            <a:endParaRPr b="0" lang="en-US" sz="3200" strike="noStrike" u="none">
-              <a:solidFill>
-                <a:srgbClr val="eeeeee"/>
+            <a:endParaRPr b="0" lang="ru-RU" sz="3200" strike="noStrike" u="none">
+              <a:solidFill>
+                <a:srgbClr val="ffffff"/>
               </a:solidFill>
               <a:effectLst/>
               <a:uFillTx/>
               <a:latin typeface="Times New Roman"/>
-            </a:endParaRPr>
-          </a:p>
-        </p:txBody>
-      </p:sp>
-      <p:sp>
-        <p:nvSpPr>
-          <p:cNvPr id="42" name=""/>
-          <p:cNvSpPr txBox="1"/>
-          <p:nvPr/>
-        </p:nvSpPr>
-        <p:spPr>
-          <a:xfrm>
-            <a:off x="2182320" y="97200"/>
-            <a:ext cx="5718600" cy="1157400"/>
-          </a:xfrm>
-          <a:prstGeom prst="rect">
-            <a:avLst/>
-          </a:prstGeom>
-          <a:noFill/>
-          <a:ln w="73080">
-            <a:noFill/>
-          </a:ln>
-        </p:spPr>
-        <p:txBody>
-          <a:bodyPr wrap="none" lIns="90000" rIns="90000" tIns="45000" bIns="45000" anchor="t" anchorCtr="1">
-            <a:spAutoFit/>
-          </a:bodyPr>
-          <a:p>
-            <a:pPr algn="ctr"/>
-            <a:r>
-              <a:rPr b="0" lang="en-US" sz="4200" strike="noStrike" u="none">
-                <a:solidFill>
-                  <a:srgbClr val="eeeeee"/>
-                </a:solidFill>
-                <a:effectLst/>
-                <a:uFillTx/>
-                <a:latin typeface="Nimbus Roman"/>
-              </a:rPr>
-              <a:t>DB Browser for SQLite:</a:t>
-            </a:r>
-            <a:endParaRPr b="0" lang="en-US" sz="4200" strike="noStrike" u="none">
-              <a:solidFill>
-                <a:srgbClr val="ffffff"/>
-              </a:solidFill>
-              <a:effectLst/>
-              <a:uFillTx/>
-              <a:latin typeface="Noto Serif"/>
-            </a:endParaRPr>
-          </a:p>
-          <a:p>
-            <a:pPr algn="ctr"/>
-            <a:r>
-              <a:rPr b="0" lang="en-US" sz="4200" strike="noStrike" u="none">
-                <a:solidFill>
-                  <a:srgbClr val="eeeeee"/>
-                </a:solidFill>
-                <a:effectLst/>
-                <a:uFillTx/>
-                <a:latin typeface="Nimbus Roman"/>
-              </a:rPr>
-              <a:t>сохранение изменений</a:t>
-            </a:r>
-            <a:endParaRPr b="0" lang="en-US" sz="4200" strike="noStrike" u="none">
-              <a:solidFill>
-                <a:srgbClr val="ffffff"/>
-              </a:solidFill>
-              <a:effectLst/>
-              <a:uFillTx/>
-              <a:latin typeface="Noto Serif"/>
             </a:endParaRPr>
           </a:p>
         </p:txBody>
@@ -3756,9 +3746,9 @@
         <p:grpSpPr>
           <a:xfrm>
             <a:off x="5257800" y="2466000"/>
-            <a:ext cx="4132800" cy="2177280"/>
+            <a:ext cx="4132440" cy="2176920"/>
             <a:chOff x="5257800" y="2466000"/>
-            <a:chExt cx="4132800" cy="2177280"/>
+            <a:chExt cx="4132440" cy="2176920"/>
           </a:xfrm>
         </p:grpSpPr>
         <p:pic>
@@ -3774,7 +3764,7 @@
           <p:spPr>
             <a:xfrm>
               <a:off x="5257800" y="2466000"/>
-              <a:ext cx="4132800" cy="2177280"/>
+              <a:ext cx="4132440" cy="2176920"/>
             </a:xfrm>
             <a:prstGeom prst="rect">
               <a:avLst/>
@@ -3794,7 +3784,7 @@
           <p:spPr>
             <a:xfrm>
               <a:off x="7114680" y="2818440"/>
-              <a:ext cx="1208880" cy="219600"/>
+              <a:ext cx="1208520" cy="219240"/>
             </a:xfrm>
             <a:prstGeom prst="rect">
               <a:avLst/>
@@ -3818,6 +3808,11 @@
               <a:noAutofit/>
             </a:bodyPr>
             <a:p>
+              <a:pPr>
+                <a:lnSpc>
+                  <a:spcPct val="100000"/>
+                </a:lnSpc>
+              </a:pPr>
               <a:endParaRPr b="0" lang="en-US" sz="1800" strike="noStrike" u="none">
                 <a:solidFill>
                   <a:srgbClr val="ffffff"/>
@@ -3825,6 +3820,7 @@
                 <a:effectLst/>
                 <a:uFillTx/>
                 <a:latin typeface="Noto Serif"/>
+                <a:ea typeface="DejaVu Sans"/>
               </a:endParaRPr>
             </a:p>
           </p:txBody>
@@ -3839,9 +3835,9 @@
         <p:grpSpPr>
           <a:xfrm>
             <a:off x="667800" y="2466000"/>
-            <a:ext cx="4132800" cy="2239920"/>
+            <a:ext cx="4132440" cy="2239560"/>
             <a:chOff x="667800" y="2466000"/>
-            <a:chExt cx="4132800" cy="2239920"/>
+            <a:chExt cx="4132440" cy="2239560"/>
           </a:xfrm>
         </p:grpSpPr>
         <p:pic>
@@ -3857,7 +3853,7 @@
           <p:spPr>
             <a:xfrm>
               <a:off x="667800" y="2466000"/>
-              <a:ext cx="4132800" cy="2239920"/>
+              <a:ext cx="4132440" cy="2239560"/>
             </a:xfrm>
             <a:prstGeom prst="rect">
               <a:avLst/>
@@ -3877,7 +3873,7 @@
           <p:spPr>
             <a:xfrm>
               <a:off x="2814120" y="2635200"/>
-              <a:ext cx="1056600" cy="232920"/>
+              <a:ext cx="1056240" cy="232560"/>
             </a:xfrm>
             <a:prstGeom prst="rect">
               <a:avLst/>
@@ -3901,6 +3897,11 @@
               <a:noAutofit/>
             </a:bodyPr>
             <a:p>
+              <a:pPr>
+                <a:lnSpc>
+                  <a:spcPct val="100000"/>
+                </a:lnSpc>
+              </a:pPr>
               <a:endParaRPr b="0" lang="en-US" sz="1800" strike="noStrike" u="none">
                 <a:solidFill>
                   <a:srgbClr val="ffffff"/>
@@ -3908,6 +3909,7 @@
                 <a:effectLst/>
                 <a:uFillTx/>
                 <a:latin typeface="Noto Serif"/>
+                <a:ea typeface="DejaVu Sans"/>
               </a:endParaRPr>
             </a:p>
           </p:txBody>
@@ -3962,8 +3964,8 @@
         </p:nvSpPr>
         <p:spPr>
           <a:xfrm>
-            <a:off x="6298560" y="1105200"/>
-            <a:ext cx="2046600" cy="946800"/>
+            <a:off x="6298560" y="1104840"/>
+            <a:ext cx="2046240" cy="947160"/>
           </a:xfrm>
           <a:prstGeom prst="rect">
             <a:avLst/>
@@ -3994,83 +3996,17 @@
                 </a:solidFill>
                 <a:effectLst/>
                 <a:uFillTx/>
-                <a:latin typeface="Nimbus Roman"/>
-              </a:rPr>
-              <a:t>р</a:t>
-            </a:r>
-            <a:r>
-              <a:rPr b="0" lang="ru-RU" sz="3200" strike="noStrike" u="none">
-                <a:solidFill>
-                  <a:srgbClr val="eeeeee"/>
-                </a:solidFill>
-                <a:effectLst/>
-                <a:uFillTx/>
-                <a:latin typeface="Nimbus Roman"/>
-              </a:rPr>
-              <a:t>у</a:t>
-            </a:r>
-            <a:r>
-              <a:rPr b="0" lang="ru-RU" sz="3200" strike="noStrike" u="none">
-                <a:solidFill>
-                  <a:srgbClr val="eeeeee"/>
-                </a:solidFill>
-                <a:effectLst/>
-                <a:uFillTx/>
-                <a:latin typeface="Nimbus Roman"/>
-              </a:rPr>
-              <a:t>с</a:t>
-            </a:r>
-            <a:r>
-              <a:rPr b="0" lang="ru-RU" sz="3200" strike="noStrike" u="none">
-                <a:solidFill>
-                  <a:srgbClr val="eeeeee"/>
-                </a:solidFill>
-                <a:effectLst/>
-                <a:uFillTx/>
-                <a:latin typeface="Nimbus Roman"/>
-              </a:rPr>
-              <a:t>с</a:t>
-            </a:r>
-            <a:r>
-              <a:rPr b="0" lang="ru-RU" sz="3200" strike="noStrike" u="none">
-                <a:solidFill>
-                  <a:srgbClr val="eeeeee"/>
-                </a:solidFill>
-                <a:effectLst/>
-                <a:uFillTx/>
-                <a:latin typeface="Nimbus Roman"/>
-              </a:rPr>
-              <a:t>к</a:t>
-            </a:r>
-            <a:r>
-              <a:rPr b="0" lang="ru-RU" sz="3200" strike="noStrike" u="none">
-                <a:solidFill>
-                  <a:srgbClr val="eeeeee"/>
-                </a:solidFill>
-                <a:effectLst/>
-                <a:uFillTx/>
-                <a:latin typeface="Nimbus Roman"/>
-              </a:rPr>
-              <a:t>и</a:t>
-            </a:r>
-            <a:r>
-              <a:rPr b="0" lang="ru-RU" sz="3200" strike="noStrike" u="none">
-                <a:solidFill>
-                  <a:srgbClr val="eeeeee"/>
-                </a:solidFill>
-                <a:effectLst/>
-                <a:uFillTx/>
-                <a:latin typeface="Nimbus Roman"/>
-              </a:rPr>
-              <a:t>й</a:t>
-            </a:r>
-            <a:endParaRPr b="0" lang="en-US" sz="3200" strike="noStrike" u="none">
+                <a:latin typeface="Times New Roman"/>
+              </a:rPr>
+              <a:t>русский</a:t>
+            </a:r>
+            <a:endParaRPr b="0" lang="ru-RU" sz="3200" strike="noStrike" u="none">
               <a:solidFill>
                 <a:srgbClr val="ffffff"/>
               </a:solidFill>
               <a:effectLst/>
               <a:uFillTx/>
-              <a:latin typeface="Noto Serif"/>
+              <a:latin typeface="Times New Roman"/>
             </a:endParaRPr>
           </a:p>
         </p:txBody>
@@ -4084,7 +4020,7 @@
         <p:spPr>
           <a:xfrm>
             <a:off x="1267560" y="1331640"/>
-            <a:ext cx="2924640" cy="488520"/>
+            <a:ext cx="2924280" cy="488160"/>
           </a:xfrm>
           <a:prstGeom prst="rect">
             <a:avLst/>
@@ -4117,13 +4053,14 @@
                 </a:solidFill>
                 <a:effectLst/>
                 <a:uFillTx/>
-                <a:latin typeface="Nimbus Roman"/>
+                <a:latin typeface="Times New Roman"/>
+                <a:ea typeface="DejaVu Sans"/>
               </a:rPr>
               <a:t>английский</a:t>
             </a:r>
-            <a:endParaRPr b="0" lang="en-US" sz="3200" strike="noStrike" u="none">
-              <a:solidFill>
-                <a:srgbClr val="eeeeee"/>
+            <a:endParaRPr b="0" lang="ru-RU" sz="3200" strike="noStrike" u="none">
+              <a:solidFill>
+                <a:srgbClr val="ffffff"/>
               </a:solidFill>
               <a:effectLst/>
               <a:uFillTx/>
@@ -4135,13 +4072,13 @@
       <p:sp>
         <p:nvSpPr>
           <p:cNvPr id="51" name=""/>
-          <p:cNvSpPr txBox="1"/>
+          <p:cNvSpPr/>
           <p:nvPr/>
         </p:nvSpPr>
         <p:spPr>
           <a:xfrm>
-            <a:off x="2086560" y="98280"/>
-            <a:ext cx="5912640" cy="1157400"/>
+            <a:off x="209520" y="98280"/>
+            <a:ext cx="9667080" cy="639000"/>
           </a:xfrm>
           <a:prstGeom prst="rect">
             <a:avLst/>
@@ -4151,206 +4088,40 @@
             <a:noFill/>
           </a:ln>
         </p:spPr>
+        <p:style>
+          <a:lnRef idx="0"/>
+          <a:fillRef idx="0"/>
+          <a:effectRef idx="0"/>
+          <a:fontRef idx="minor"/>
+        </p:style>
         <p:txBody>
-          <a:bodyPr wrap="none" lIns="90000" rIns="90000" tIns="45000" bIns="45000" anchor="t" anchorCtr="1">
+          <a:bodyPr wrap="none" lIns="90000" rIns="90000" tIns="45000" bIns="45000" anchor="t">
             <a:spAutoFit/>
           </a:bodyPr>
           <a:p>
-            <a:pPr algn="ctr"/>
-            <a:r>
-              <a:rPr b="0" lang="en-US" sz="4200" strike="noStrike" u="none">
+            <a:pPr algn="ctr">
+              <a:lnSpc>
+                <a:spcPct val="100000"/>
+              </a:lnSpc>
+            </a:pPr>
+            <a:r>
+              <a:rPr b="0" lang="en-US" sz="3600" strike="noStrike" u="none">
                 <a:solidFill>
                   <a:srgbClr val="eeeeee"/>
                 </a:solidFill>
                 <a:effectLst/>
                 <a:uFillTx/>
-                <a:latin typeface="Nimbus Roman"/>
-              </a:rPr>
-              <a:t>DB </a:t>
-            </a:r>
-            <a:r>
-              <a:rPr b="0" lang="en-US" sz="4200" strike="noStrike" u="none">
-                <a:solidFill>
-                  <a:srgbClr val="eeeeee"/>
-                </a:solidFill>
-                <a:effectLst/>
-                <a:uFillTx/>
-                <a:latin typeface="Nimbus Roman"/>
-              </a:rPr>
-              <a:t>Bro</a:t>
-            </a:r>
-            <a:r>
-              <a:rPr b="0" lang="en-US" sz="4200" strike="noStrike" u="none">
-                <a:solidFill>
-                  <a:srgbClr val="eeeeee"/>
-                </a:solidFill>
-                <a:effectLst/>
-                <a:uFillTx/>
-                <a:latin typeface="Nimbus Roman"/>
-              </a:rPr>
-              <a:t>wse</a:t>
-            </a:r>
-            <a:r>
-              <a:rPr b="0" lang="en-US" sz="4200" strike="noStrike" u="none">
-                <a:solidFill>
-                  <a:srgbClr val="eeeeee"/>
-                </a:solidFill>
-                <a:effectLst/>
-                <a:uFillTx/>
-                <a:latin typeface="Nimbus Roman"/>
-              </a:rPr>
-              <a:t>r </a:t>
-            </a:r>
-            <a:r>
-              <a:rPr b="0" lang="en-US" sz="4200" strike="noStrike" u="none">
-                <a:solidFill>
-                  <a:srgbClr val="eeeeee"/>
-                </a:solidFill>
-                <a:effectLst/>
-                <a:uFillTx/>
-                <a:latin typeface="Nimbus Roman"/>
-              </a:rPr>
-              <a:t>for </a:t>
-            </a:r>
-            <a:r>
-              <a:rPr b="0" lang="en-US" sz="4200" strike="noStrike" u="none">
-                <a:solidFill>
-                  <a:srgbClr val="eeeeee"/>
-                </a:solidFill>
-                <a:effectLst/>
-                <a:uFillTx/>
-                <a:latin typeface="Nimbus Roman"/>
-              </a:rPr>
-              <a:t>SQ</a:t>
-            </a:r>
-            <a:r>
-              <a:rPr b="0" lang="en-US" sz="4200" strike="noStrike" u="none">
-                <a:solidFill>
-                  <a:srgbClr val="eeeeee"/>
-                </a:solidFill>
-                <a:effectLst/>
-                <a:uFillTx/>
-                <a:latin typeface="Nimbus Roman"/>
-              </a:rPr>
-              <a:t>Lit</a:t>
-            </a:r>
-            <a:r>
-              <a:rPr b="0" lang="en-US" sz="4200" strike="noStrike" u="none">
-                <a:solidFill>
-                  <a:srgbClr val="eeeeee"/>
-                </a:solidFill>
-                <a:effectLst/>
-                <a:uFillTx/>
-                <a:latin typeface="Nimbus Roman"/>
-              </a:rPr>
-              <a:t>e:</a:t>
-            </a:r>
-            <a:endParaRPr b="0" lang="en-US" sz="4200" strike="noStrike" u="none">
+                <a:latin typeface="Times New Roman"/>
+              </a:rPr>
+              <a:t>DB Browser for SQLite: создание записи (строки)</a:t>
+            </a:r>
+            <a:endParaRPr b="0" lang="ru-RU" sz="3600" strike="noStrike" u="none">
               <a:solidFill>
                 <a:srgbClr val="ffffff"/>
               </a:solidFill>
               <a:effectLst/>
               <a:uFillTx/>
-              <a:latin typeface="Noto Serif"/>
-            </a:endParaRPr>
-          </a:p>
-          <a:p>
-            <a:pPr algn="ctr"/>
-            <a:r>
-              <a:rPr b="0" lang="en-US" sz="4200" strike="noStrike" u="none">
-                <a:solidFill>
-                  <a:srgbClr val="eeeeee"/>
-                </a:solidFill>
-                <a:effectLst/>
-                <a:uFillTx/>
-                <a:latin typeface="Nimbus Roman"/>
-              </a:rPr>
-              <a:t>соз</a:t>
-            </a:r>
-            <a:r>
-              <a:rPr b="0" lang="en-US" sz="4200" strike="noStrike" u="none">
-                <a:solidFill>
-                  <a:srgbClr val="eeeeee"/>
-                </a:solidFill>
-                <a:effectLst/>
-                <a:uFillTx/>
-                <a:latin typeface="Nimbus Roman"/>
-              </a:rPr>
-              <a:t>дан</a:t>
-            </a:r>
-            <a:r>
-              <a:rPr b="0" lang="en-US" sz="4200" strike="noStrike" u="none">
-                <a:solidFill>
-                  <a:srgbClr val="eeeeee"/>
-                </a:solidFill>
-                <a:effectLst/>
-                <a:uFillTx/>
-                <a:latin typeface="Nimbus Roman"/>
-              </a:rPr>
-              <a:t>ие </a:t>
-            </a:r>
-            <a:r>
-              <a:rPr b="0" lang="en-US" sz="4200" strike="noStrike" u="none">
-                <a:solidFill>
-                  <a:srgbClr val="eeeeee"/>
-                </a:solidFill>
-                <a:effectLst/>
-                <a:uFillTx/>
-                <a:latin typeface="Nimbus Roman"/>
-              </a:rPr>
-              <a:t>зап</a:t>
-            </a:r>
-            <a:r>
-              <a:rPr b="0" lang="en-US" sz="4200" strike="noStrike" u="none">
-                <a:solidFill>
-                  <a:srgbClr val="eeeeee"/>
-                </a:solidFill>
-                <a:effectLst/>
-                <a:uFillTx/>
-                <a:latin typeface="Nimbus Roman"/>
-              </a:rPr>
-              <a:t>иси </a:t>
-            </a:r>
-            <a:r>
-              <a:rPr b="0" lang="en-US" sz="4200" strike="noStrike" u="none">
-                <a:solidFill>
-                  <a:srgbClr val="eeeeee"/>
-                </a:solidFill>
-                <a:effectLst/>
-                <a:uFillTx/>
-                <a:latin typeface="Nimbus Roman"/>
-              </a:rPr>
-              <a:t>(ст</a:t>
-            </a:r>
-            <a:r>
-              <a:rPr b="0" lang="en-US" sz="4200" strike="noStrike" u="none">
-                <a:solidFill>
-                  <a:srgbClr val="eeeeee"/>
-                </a:solidFill>
-                <a:effectLst/>
-                <a:uFillTx/>
-                <a:latin typeface="Nimbus Roman"/>
-              </a:rPr>
-              <a:t>рок</a:t>
-            </a:r>
-            <a:r>
-              <a:rPr b="0" lang="en-US" sz="4200" strike="noStrike" u="none">
-                <a:solidFill>
-                  <a:srgbClr val="eeeeee"/>
-                </a:solidFill>
-                <a:effectLst/>
-                <a:uFillTx/>
-                <a:latin typeface="Nimbus Roman"/>
-              </a:rPr>
-              <a:t>и)</a:t>
-            </a:r>
-            <a:endParaRPr b="0" lang="en-US" sz="4200" strike="noStrike" u="none">
-              <a:solidFill>
-                <a:srgbClr val="ffffff"/>
-              </a:solidFill>
-              <a:effectLst/>
-              <a:uFillTx/>
-              <a:latin typeface="Noto Serif"/>
+              <a:latin typeface="Times New Roman"/>
             </a:endParaRPr>
           </a:p>
         </p:txBody>
@@ -4364,9 +4135,9 @@
         <p:grpSpPr>
           <a:xfrm>
             <a:off x="457200" y="2430000"/>
-            <a:ext cx="4361400" cy="2179800"/>
+            <a:ext cx="4361040" cy="2179440"/>
             <a:chOff x="457200" y="2430000"/>
-            <a:chExt cx="4361400" cy="2179800"/>
+            <a:chExt cx="4361040" cy="2179440"/>
           </a:xfrm>
         </p:grpSpPr>
         <p:pic>
@@ -4383,7 +4154,7 @@
           <p:spPr>
             <a:xfrm>
               <a:off x="457200" y="2430000"/>
-              <a:ext cx="4361400" cy="2179800"/>
+              <a:ext cx="4361040" cy="2179440"/>
             </a:xfrm>
             <a:prstGeom prst="rect">
               <a:avLst/>
@@ -4403,7 +4174,7 @@
           <p:spPr>
             <a:xfrm>
               <a:off x="1755360" y="2956680"/>
-              <a:ext cx="979560" cy="319680"/>
+              <a:ext cx="979200" cy="319320"/>
             </a:xfrm>
             <a:prstGeom prst="rect">
               <a:avLst/>
@@ -4427,6 +4198,11 @@
               <a:noAutofit/>
             </a:bodyPr>
             <a:p>
+              <a:pPr>
+                <a:lnSpc>
+                  <a:spcPct val="100000"/>
+                </a:lnSpc>
+              </a:pPr>
               <a:endParaRPr b="0" lang="en-US" sz="1800" strike="noStrike" u="none">
                 <a:solidFill>
                   <a:srgbClr val="ffffff"/>
@@ -4434,6 +4210,7 @@
                 <a:effectLst/>
                 <a:uFillTx/>
                 <a:latin typeface="Noto Serif"/>
+                <a:ea typeface="DejaVu Sans"/>
               </a:endParaRPr>
             </a:p>
           </p:txBody>
@@ -4447,7 +4224,7 @@
           <p:spPr>
             <a:xfrm>
               <a:off x="4009320" y="3244680"/>
-              <a:ext cx="353160" cy="329040"/>
+              <a:ext cx="352800" cy="328680"/>
             </a:xfrm>
             <a:prstGeom prst="rect">
               <a:avLst/>
@@ -4471,6 +4248,11 @@
               <a:noAutofit/>
             </a:bodyPr>
             <a:p>
+              <a:pPr>
+                <a:lnSpc>
+                  <a:spcPct val="100000"/>
+                </a:lnSpc>
+              </a:pPr>
               <a:endParaRPr b="0" lang="en-US" sz="1800" strike="noStrike" u="none">
                 <a:solidFill>
                   <a:srgbClr val="ffffff"/>
@@ -4478,6 +4260,7 @@
                 <a:effectLst/>
                 <a:uFillTx/>
                 <a:latin typeface="Noto Serif"/>
+                <a:ea typeface="DejaVu Sans"/>
               </a:endParaRPr>
             </a:p>
           </p:txBody>
@@ -4491,7 +4274,7 @@
           <p:spPr>
             <a:xfrm>
               <a:off x="819720" y="3279600"/>
-              <a:ext cx="1520640" cy="282600"/>
+              <a:ext cx="1520280" cy="282240"/>
             </a:xfrm>
             <a:prstGeom prst="rect">
               <a:avLst/>
@@ -4515,6 +4298,11 @@
               <a:noAutofit/>
             </a:bodyPr>
             <a:p>
+              <a:pPr>
+                <a:lnSpc>
+                  <a:spcPct val="100000"/>
+                </a:lnSpc>
+              </a:pPr>
               <a:endParaRPr b="0" lang="en-US" sz="1800" strike="noStrike" u="none">
                 <a:solidFill>
                   <a:srgbClr val="ffffff"/>
@@ -4522,6 +4310,7 @@
                 <a:effectLst/>
                 <a:uFillTx/>
                 <a:latin typeface="Noto Serif"/>
+                <a:ea typeface="DejaVu Sans"/>
               </a:endParaRPr>
             </a:p>
           </p:txBody>
@@ -4536,9 +4325,9 @@
         <p:grpSpPr>
           <a:xfrm>
             <a:off x="5257800" y="2207160"/>
-            <a:ext cx="4343040" cy="2665440"/>
+            <a:ext cx="4342680" cy="2665080"/>
             <a:chOff x="5257800" y="2207160"/>
-            <a:chExt cx="4343040" cy="2665440"/>
+            <a:chExt cx="4342680" cy="2665080"/>
           </a:xfrm>
         </p:grpSpPr>
         <p:pic>
@@ -4555,7 +4344,7 @@
           <p:spPr>
             <a:xfrm>
               <a:off x="5257800" y="2207160"/>
-              <a:ext cx="4343040" cy="2665440"/>
+              <a:ext cx="4342680" cy="2665080"/>
             </a:xfrm>
             <a:prstGeom prst="rect">
               <a:avLst/>
@@ -4575,7 +4364,7 @@
           <p:spPr>
             <a:xfrm>
               <a:off x="6591960" y="3043800"/>
-              <a:ext cx="951840" cy="354960"/>
+              <a:ext cx="951480" cy="354600"/>
             </a:xfrm>
             <a:prstGeom prst="rect">
               <a:avLst/>
@@ -4599,6 +4388,11 @@
               <a:noAutofit/>
             </a:bodyPr>
             <a:p>
+              <a:pPr>
+                <a:lnSpc>
+                  <a:spcPct val="100000"/>
+                </a:lnSpc>
+              </a:pPr>
               <a:endParaRPr b="0" lang="en-US" sz="1800" strike="noStrike" u="none">
                 <a:solidFill>
                   <a:srgbClr val="ffffff"/>
@@ -4606,6 +4400,7 @@
                 <a:effectLst/>
                 <a:uFillTx/>
                 <a:latin typeface="Noto Serif"/>
+                <a:ea typeface="DejaVu Sans"/>
               </a:endParaRPr>
             </a:p>
           </p:txBody>
@@ -4619,7 +4414,7 @@
           <p:spPr>
             <a:xfrm>
               <a:off x="9096120" y="3354480"/>
-              <a:ext cx="353160" cy="329040"/>
+              <a:ext cx="352800" cy="328680"/>
             </a:xfrm>
             <a:prstGeom prst="rect">
               <a:avLst/>
@@ -4643,6 +4438,11 @@
               <a:noAutofit/>
             </a:bodyPr>
             <a:p>
+              <a:pPr>
+                <a:lnSpc>
+                  <a:spcPct val="100000"/>
+                </a:lnSpc>
+              </a:pPr>
               <a:endParaRPr b="0" lang="en-US" sz="1800" strike="noStrike" u="none">
                 <a:solidFill>
                   <a:srgbClr val="ffffff"/>
@@ -4650,6 +4450,7 @@
                 <a:effectLst/>
                 <a:uFillTx/>
                 <a:latin typeface="Noto Serif"/>
+                <a:ea typeface="DejaVu Sans"/>
               </a:endParaRPr>
             </a:p>
           </p:txBody>
@@ -4663,7 +4464,7 @@
           <p:spPr>
             <a:xfrm>
               <a:off x="5869440" y="3416760"/>
-              <a:ext cx="1492200" cy="239400"/>
+              <a:ext cx="1491840" cy="239040"/>
             </a:xfrm>
             <a:prstGeom prst="rect">
               <a:avLst/>
@@ -4687,6 +4488,11 @@
               <a:noAutofit/>
             </a:bodyPr>
             <a:p>
+              <a:pPr>
+                <a:lnSpc>
+                  <a:spcPct val="100000"/>
+                </a:lnSpc>
+              </a:pPr>
               <a:endParaRPr b="0" lang="en-US" sz="1800" strike="noStrike" u="none">
                 <a:solidFill>
                   <a:srgbClr val="ffffff"/>
@@ -4694,6 +4500,7 @@
                 <a:effectLst/>
                 <a:uFillTx/>
                 <a:latin typeface="Noto Serif"/>
+                <a:ea typeface="DejaVu Sans"/>
               </a:endParaRPr>
             </a:p>
           </p:txBody>
@@ -4739,13 +4546,13 @@
       <p:sp>
         <p:nvSpPr>
           <p:cNvPr id="62" name=""/>
-          <p:cNvSpPr txBox="1"/>
+          <p:cNvSpPr/>
           <p:nvPr/>
         </p:nvSpPr>
         <p:spPr>
           <a:xfrm>
-            <a:off x="2182680" y="97560"/>
-            <a:ext cx="5718600" cy="1157400"/>
+            <a:off x="1757520" y="97560"/>
+            <a:ext cx="6568920" cy="639000"/>
           </a:xfrm>
           <a:prstGeom prst="rect">
             <a:avLst/>
@@ -4755,52 +4562,40 @@
             <a:noFill/>
           </a:ln>
         </p:spPr>
+        <p:style>
+          <a:lnRef idx="0"/>
+          <a:fillRef idx="0"/>
+          <a:effectRef idx="0"/>
+          <a:fontRef idx="minor"/>
+        </p:style>
         <p:txBody>
-          <a:bodyPr wrap="none" lIns="90000" rIns="90000" tIns="45000" bIns="45000" anchor="t" anchorCtr="1">
+          <a:bodyPr wrap="none" lIns="90000" rIns="90000" tIns="45000" bIns="45000" anchor="t">
             <a:spAutoFit/>
           </a:bodyPr>
           <a:p>
-            <a:pPr algn="ctr"/>
-            <a:r>
-              <a:rPr b="0" lang="en-US" sz="4200" strike="noStrike" u="none">
+            <a:pPr algn="ctr">
+              <a:lnSpc>
+                <a:spcPct val="100000"/>
+              </a:lnSpc>
+            </a:pPr>
+            <a:r>
+              <a:rPr b="0" lang="en-US" sz="3600" strike="noStrike" u="none">
                 <a:solidFill>
                   <a:srgbClr val="eeeeee"/>
                 </a:solidFill>
                 <a:effectLst/>
                 <a:uFillTx/>
-                <a:latin typeface="Nimbus Roman"/>
-              </a:rPr>
-              <a:t>SQLiteStudio:</a:t>
-            </a:r>
-            <a:endParaRPr b="0" lang="en-US" sz="4200" strike="noStrike" u="none">
+                <a:latin typeface="Times New Roman"/>
+              </a:rPr>
+              <a:t>SQLiteStudio: подключение к БД</a:t>
+            </a:r>
+            <a:endParaRPr b="0" lang="ru-RU" sz="3600" strike="noStrike" u="none">
               <a:solidFill>
                 <a:srgbClr val="ffffff"/>
               </a:solidFill>
               <a:effectLst/>
               <a:uFillTx/>
-              <a:latin typeface="Noto Serif"/>
-            </a:endParaRPr>
-          </a:p>
-          <a:p>
-            <a:pPr algn="ctr"/>
-            <a:r>
-              <a:rPr b="0" lang="en-US" sz="4200" strike="noStrike" u="none">
-                <a:solidFill>
-                  <a:srgbClr val="eeeeee"/>
-                </a:solidFill>
-                <a:effectLst/>
-                <a:uFillTx/>
-                <a:latin typeface="Nimbus Roman"/>
-              </a:rPr>
-              <a:t>подключение к БД</a:t>
-            </a:r>
-            <a:endParaRPr b="0" lang="en-US" sz="4200" strike="noStrike" u="none">
-              <a:solidFill>
-                <a:srgbClr val="ffffff"/>
-              </a:solidFill>
-              <a:effectLst/>
-              <a:uFillTx/>
-              <a:latin typeface="Noto Serif"/>
+              <a:latin typeface="Times New Roman"/>
             </a:endParaRPr>
           </a:p>
         </p:txBody>
@@ -4817,8 +4612,8 @@
         </p:nvSpPr>
         <p:spPr>
           <a:xfrm>
-            <a:off x="6298560" y="1105200"/>
-            <a:ext cx="2046600" cy="946800"/>
+            <a:off x="6298560" y="1104840"/>
+            <a:ext cx="2046240" cy="947160"/>
           </a:xfrm>
           <a:prstGeom prst="rect">
             <a:avLst/>
@@ -4849,17 +4644,17 @@
                 </a:solidFill>
                 <a:effectLst/>
                 <a:uFillTx/>
-                <a:latin typeface="Nimbus Roman"/>
+                <a:latin typeface="Times New Roman"/>
               </a:rPr>
               <a:t>русский</a:t>
             </a:r>
-            <a:endParaRPr b="0" lang="en-US" sz="3200" strike="noStrike" u="none">
+            <a:endParaRPr b="0" lang="ru-RU" sz="3200" strike="noStrike" u="none">
               <a:solidFill>
                 <a:srgbClr val="ffffff"/>
               </a:solidFill>
               <a:effectLst/>
               <a:uFillTx/>
-              <a:latin typeface="Noto Serif"/>
+              <a:latin typeface="Times New Roman"/>
             </a:endParaRPr>
           </a:p>
         </p:txBody>
@@ -4873,7 +4668,7 @@
         <p:spPr>
           <a:xfrm>
             <a:off x="1267560" y="1331640"/>
-            <a:ext cx="2924640" cy="488520"/>
+            <a:ext cx="2924280" cy="488160"/>
           </a:xfrm>
           <a:prstGeom prst="rect">
             <a:avLst/>
@@ -4906,13 +4701,14 @@
                 </a:solidFill>
                 <a:effectLst/>
                 <a:uFillTx/>
-                <a:latin typeface="Nimbus Roman"/>
+                <a:latin typeface="Times New Roman"/>
+                <a:ea typeface="DejaVu Sans"/>
               </a:rPr>
               <a:t>английский</a:t>
             </a:r>
-            <a:endParaRPr b="0" lang="en-US" sz="3200" strike="noStrike" u="none">
-              <a:solidFill>
-                <a:srgbClr val="eeeeee"/>
+            <a:endParaRPr b="0" lang="ru-RU" sz="3200" strike="noStrike" u="none">
+              <a:solidFill>
+                <a:srgbClr val="ffffff"/>
               </a:solidFill>
               <a:effectLst/>
               <a:uFillTx/>
@@ -4934,7 +4730,7 @@
         <p:spPr>
           <a:xfrm>
             <a:off x="914400" y="2044800"/>
-            <a:ext cx="3630960" cy="3362760"/>
+            <a:ext cx="3630600" cy="3362400"/>
           </a:xfrm>
           <a:prstGeom prst="rect">
             <a:avLst/>
@@ -4958,7 +4754,7 @@
         <p:spPr>
           <a:xfrm>
             <a:off x="5522040" y="2044800"/>
-            <a:ext cx="3599280" cy="3362760"/>
+            <a:ext cx="3598920" cy="3362400"/>
           </a:xfrm>
           <a:prstGeom prst="rect">
             <a:avLst/>
@@ -5015,9 +4811,9 @@
         <p:grpSpPr>
           <a:xfrm>
             <a:off x="667800" y="2238120"/>
-            <a:ext cx="4132800" cy="2976480"/>
+            <a:ext cx="4132440" cy="2976120"/>
             <a:chOff x="667800" y="2238120"/>
-            <a:chExt cx="4132800" cy="2976480"/>
+            <a:chExt cx="4132440" cy="2976120"/>
           </a:xfrm>
         </p:grpSpPr>
         <p:pic>
@@ -5033,7 +4829,7 @@
           <p:spPr>
             <a:xfrm>
               <a:off x="667800" y="2238120"/>
-              <a:ext cx="4132800" cy="2976480"/>
+              <a:ext cx="4132440" cy="2976120"/>
             </a:xfrm>
             <a:prstGeom prst="rect">
               <a:avLst/>
@@ -5053,7 +4849,7 @@
           <p:spPr>
             <a:xfrm>
               <a:off x="2813400" y="2927160"/>
-              <a:ext cx="520200" cy="520560"/>
+              <a:ext cx="519840" cy="520200"/>
             </a:xfrm>
             <a:prstGeom prst="rect">
               <a:avLst/>
@@ -5077,6 +4873,11 @@
               <a:noAutofit/>
             </a:bodyPr>
             <a:p>
+              <a:pPr>
+                <a:lnSpc>
+                  <a:spcPct val="100000"/>
+                </a:lnSpc>
+              </a:pPr>
               <a:endParaRPr b="0" lang="en-US" sz="1800" strike="noStrike" u="none">
                 <a:solidFill>
                   <a:srgbClr val="ffffff"/>
@@ -5084,6 +4885,7 @@
                 <a:effectLst/>
                 <a:uFillTx/>
                 <a:latin typeface="Noto Serif"/>
+                <a:ea typeface="DejaVu Sans"/>
               </a:endParaRPr>
             </a:p>
           </p:txBody>
@@ -5098,9 +4900,9 @@
         <p:grpSpPr>
           <a:xfrm>
             <a:off x="5258520" y="2238120"/>
-            <a:ext cx="4223160" cy="2976480"/>
+            <a:ext cx="4222800" cy="2976120"/>
             <a:chOff x="5258520" y="2238120"/>
-            <a:chExt cx="4223160" cy="2976480"/>
+            <a:chExt cx="4222800" cy="2976120"/>
           </a:xfrm>
         </p:grpSpPr>
         <p:pic>
@@ -5117,7 +4919,7 @@
           <p:spPr>
             <a:xfrm>
               <a:off x="5258520" y="2238120"/>
-              <a:ext cx="4223160" cy="2976480"/>
+              <a:ext cx="4222800" cy="2976120"/>
             </a:xfrm>
             <a:prstGeom prst="rect">
               <a:avLst/>
@@ -5137,7 +4939,7 @@
           <p:spPr>
             <a:xfrm>
               <a:off x="7220160" y="2871720"/>
-              <a:ext cx="520560" cy="520200"/>
+              <a:ext cx="520200" cy="519840"/>
             </a:xfrm>
             <a:prstGeom prst="rect">
               <a:avLst/>
@@ -5161,6 +4963,11 @@
               <a:noAutofit/>
             </a:bodyPr>
             <a:p>
+              <a:pPr>
+                <a:lnSpc>
+                  <a:spcPct val="100000"/>
+                </a:lnSpc>
+              </a:pPr>
               <a:endParaRPr b="0" lang="en-US" sz="1800" strike="noStrike" u="none">
                 <a:solidFill>
                   <a:srgbClr val="ffffff"/>
@@ -5168,6 +4975,7 @@
                 <a:effectLst/>
                 <a:uFillTx/>
                 <a:latin typeface="Noto Serif"/>
+                <a:ea typeface="DejaVu Sans"/>
               </a:endParaRPr>
             </a:p>
           </p:txBody>
@@ -5185,8 +4993,8 @@
         </p:nvSpPr>
         <p:spPr>
           <a:xfrm>
-            <a:off x="6298560" y="1105200"/>
-            <a:ext cx="2046600" cy="946800"/>
+            <a:off x="6298560" y="1104840"/>
+            <a:ext cx="2046240" cy="947160"/>
           </a:xfrm>
           <a:prstGeom prst="rect">
             <a:avLst/>
@@ -5217,17 +5025,17 @@
                 </a:solidFill>
                 <a:effectLst/>
                 <a:uFillTx/>
-                <a:latin typeface="Nimbus Roman"/>
+                <a:latin typeface="Times New Roman"/>
               </a:rPr>
               <a:t>русский</a:t>
             </a:r>
-            <a:endParaRPr b="0" lang="en-US" sz="3200" strike="noStrike" u="none">
+            <a:endParaRPr b="0" lang="ru-RU" sz="3200" strike="noStrike" u="none">
               <a:solidFill>
                 <a:srgbClr val="ffffff"/>
               </a:solidFill>
               <a:effectLst/>
               <a:uFillTx/>
-              <a:latin typeface="Noto Serif"/>
+              <a:latin typeface="Times New Roman"/>
             </a:endParaRPr>
           </a:p>
         </p:txBody>
@@ -5241,7 +5049,7 @@
         <p:spPr>
           <a:xfrm>
             <a:off x="1267560" y="1331640"/>
-            <a:ext cx="2924640" cy="488520"/>
+            <a:ext cx="2924280" cy="488160"/>
           </a:xfrm>
           <a:prstGeom prst="rect">
             <a:avLst/>
@@ -5274,13 +5082,14 @@
                 </a:solidFill>
                 <a:effectLst/>
                 <a:uFillTx/>
-                <a:latin typeface="Nimbus Roman"/>
+                <a:latin typeface="Times New Roman"/>
+                <a:ea typeface="DejaVu Sans"/>
               </a:rPr>
               <a:t>английский</a:t>
             </a:r>
-            <a:endParaRPr b="0" lang="en-US" sz="3200" strike="noStrike" u="none">
-              <a:solidFill>
-                <a:srgbClr val="eeeeee"/>
+            <a:endParaRPr b="0" lang="ru-RU" sz="3200" strike="noStrike" u="none">
+              <a:solidFill>
+                <a:srgbClr val="ffffff"/>
               </a:solidFill>
               <a:effectLst/>
               <a:uFillTx/>
@@ -5292,13 +5101,13 @@
       <p:sp>
         <p:nvSpPr>
           <p:cNvPr id="75" name=""/>
-          <p:cNvSpPr txBox="1"/>
+          <p:cNvSpPr/>
           <p:nvPr/>
         </p:nvSpPr>
         <p:spPr>
           <a:xfrm>
-            <a:off x="2183040" y="97920"/>
-            <a:ext cx="5718600" cy="1157400"/>
+            <a:off x="1820880" y="97920"/>
+            <a:ext cx="6441480" cy="639000"/>
           </a:xfrm>
           <a:prstGeom prst="rect">
             <a:avLst/>
@@ -5308,85 +5117,40 @@
             <a:noFill/>
           </a:ln>
         </p:spPr>
+        <p:style>
+          <a:lnRef idx="0"/>
+          <a:fillRef idx="0"/>
+          <a:effectRef idx="0"/>
+          <a:fontRef idx="minor"/>
+        </p:style>
         <p:txBody>
-          <a:bodyPr wrap="none" lIns="90000" rIns="90000" tIns="45000" bIns="45000" anchor="t" anchorCtr="1">
+          <a:bodyPr wrap="none" lIns="90000" rIns="90000" tIns="45000" bIns="45000" anchor="t">
             <a:spAutoFit/>
           </a:bodyPr>
           <a:p>
-            <a:pPr algn="ctr"/>
-            <a:r>
-              <a:rPr b="0" lang="en-US" sz="4200" strike="noStrike" u="none">
+            <a:pPr algn="ctr">
+              <a:lnSpc>
+                <a:spcPct val="100000"/>
+              </a:lnSpc>
+            </a:pPr>
+            <a:r>
+              <a:rPr b="0" lang="en-US" sz="3600" strike="noStrike" u="none">
                 <a:solidFill>
                   <a:srgbClr val="eeeeee"/>
                 </a:solidFill>
                 <a:effectLst/>
                 <a:uFillTx/>
-                <a:latin typeface="Nimbus Roman"/>
-              </a:rPr>
-              <a:t>SQLiteStudi</a:t>
-            </a:r>
-            <a:r>
-              <a:rPr b="0" lang="en-US" sz="4200" strike="noStrike" u="none">
-                <a:solidFill>
-                  <a:srgbClr val="eeeeee"/>
-                </a:solidFill>
-                <a:effectLst/>
-                <a:uFillTx/>
-                <a:latin typeface="Nimbus Roman"/>
-              </a:rPr>
-              <a:t>o</a:t>
-            </a:r>
-            <a:r>
-              <a:rPr b="0" lang="en-US" sz="4200" strike="noStrike" u="none">
-                <a:solidFill>
-                  <a:srgbClr val="eeeeee"/>
-                </a:solidFill>
-                <a:effectLst/>
-                <a:uFillTx/>
-                <a:latin typeface="Nimbus Roman"/>
-              </a:rPr>
-              <a:t>:</a:t>
-            </a:r>
-            <a:endParaRPr b="0" lang="en-US" sz="4200" strike="noStrike" u="none">
+                <a:latin typeface="Times New Roman"/>
+              </a:rPr>
+              <a:t>SQLiteStudio: создание таблицы</a:t>
+            </a:r>
+            <a:endParaRPr b="0" lang="ru-RU" sz="3600" strike="noStrike" u="none">
               <a:solidFill>
                 <a:srgbClr val="ffffff"/>
               </a:solidFill>
               <a:effectLst/>
               <a:uFillTx/>
-              <a:latin typeface="Noto Serif"/>
-            </a:endParaRPr>
-          </a:p>
-          <a:p>
-            <a:pPr algn="ctr"/>
-            <a:r>
-              <a:rPr b="0" lang="en-US" sz="4200" strike="noStrike" u="none">
-                <a:solidFill>
-                  <a:srgbClr val="eeeeee"/>
-                </a:solidFill>
-                <a:effectLst/>
-                <a:uFillTx/>
-                <a:latin typeface="Nimbus Roman"/>
-              </a:rPr>
-              <a:t>создание </a:t>
-            </a:r>
-            <a:r>
-              <a:rPr b="0" lang="en-US" sz="4200" strike="noStrike" u="none">
-                <a:solidFill>
-                  <a:srgbClr val="eeeeee"/>
-                </a:solidFill>
-                <a:effectLst/>
-                <a:uFillTx/>
-                <a:latin typeface="Nimbus Roman"/>
-              </a:rPr>
-              <a:t>таблицы</a:t>
-            </a:r>
-            <a:endParaRPr b="0" lang="en-US" sz="4200" strike="noStrike" u="none">
-              <a:solidFill>
-                <a:srgbClr val="ffffff"/>
-              </a:solidFill>
-              <a:effectLst/>
-              <a:uFillTx/>
-              <a:latin typeface="Noto Serif"/>
+              <a:latin typeface="Times New Roman"/>
             </a:endParaRPr>
           </a:p>
         </p:txBody>
@@ -5440,8 +5204,8 @@
         </p:nvSpPr>
         <p:spPr>
           <a:xfrm>
-            <a:off x="6298560" y="1105200"/>
-            <a:ext cx="2046600" cy="946800"/>
+            <a:off x="6298560" y="1104840"/>
+            <a:ext cx="2046240" cy="947160"/>
           </a:xfrm>
           <a:prstGeom prst="rect">
             <a:avLst/>
@@ -5472,17 +5236,17 @@
                 </a:solidFill>
                 <a:effectLst/>
                 <a:uFillTx/>
-                <a:latin typeface="Nimbus Roman"/>
+                <a:latin typeface="Times New Roman"/>
               </a:rPr>
               <a:t>русский</a:t>
             </a:r>
-            <a:endParaRPr b="0" lang="en-US" sz="3200" strike="noStrike" u="none">
+            <a:endParaRPr b="0" lang="ru-RU" sz="3200" strike="noStrike" u="none">
               <a:solidFill>
                 <a:srgbClr val="ffffff"/>
               </a:solidFill>
               <a:effectLst/>
               <a:uFillTx/>
-              <a:latin typeface="Noto Serif"/>
+              <a:latin typeface="Times New Roman"/>
             </a:endParaRPr>
           </a:p>
         </p:txBody>
@@ -5496,7 +5260,7 @@
         <p:spPr>
           <a:xfrm>
             <a:off x="1267560" y="1331640"/>
-            <a:ext cx="2924640" cy="488520"/>
+            <a:ext cx="2924280" cy="488160"/>
           </a:xfrm>
           <a:prstGeom prst="rect">
             <a:avLst/>
@@ -5529,13 +5293,14 @@
                 </a:solidFill>
                 <a:effectLst/>
                 <a:uFillTx/>
-                <a:latin typeface="Nimbus Roman"/>
+                <a:latin typeface="Times New Roman"/>
+                <a:ea typeface="DejaVu Sans"/>
               </a:rPr>
               <a:t>английский</a:t>
             </a:r>
-            <a:endParaRPr b="0" lang="en-US" sz="3200" strike="noStrike" u="none">
-              <a:solidFill>
-                <a:srgbClr val="eeeeee"/>
+            <a:endParaRPr b="0" lang="ru-RU" sz="3200" strike="noStrike" u="none">
+              <a:solidFill>
+                <a:srgbClr val="ffffff"/>
               </a:solidFill>
               <a:effectLst/>
               <a:uFillTx/>
@@ -5557,7 +5322,7 @@
         <p:spPr>
           <a:xfrm>
             <a:off x="1143000" y="2030400"/>
-            <a:ext cx="3429000" cy="3377520"/>
+            <a:ext cx="3428640" cy="3377160"/>
           </a:xfrm>
           <a:prstGeom prst="rect">
             <a:avLst/>
@@ -5581,7 +5346,7 @@
         <p:spPr>
           <a:xfrm>
             <a:off x="5693400" y="2030040"/>
-            <a:ext cx="3450600" cy="3362760"/>
+            <a:ext cx="3450240" cy="3362400"/>
           </a:xfrm>
           <a:prstGeom prst="rect">
             <a:avLst/>
@@ -5595,13 +5360,13 @@
       <p:sp>
         <p:nvSpPr>
           <p:cNvPr id="80" name=""/>
-          <p:cNvSpPr txBox="1"/>
+          <p:cNvSpPr/>
           <p:nvPr/>
         </p:nvSpPr>
         <p:spPr>
           <a:xfrm>
-            <a:off x="2183400" y="98280"/>
-            <a:ext cx="5718600" cy="1157400"/>
+            <a:off x="1885680" y="98280"/>
+            <a:ext cx="6313680" cy="639000"/>
           </a:xfrm>
           <a:prstGeom prst="rect">
             <a:avLst/>
@@ -5611,85 +5376,40 @@
             <a:noFill/>
           </a:ln>
         </p:spPr>
+        <p:style>
+          <a:lnRef idx="0"/>
+          <a:fillRef idx="0"/>
+          <a:effectRef idx="0"/>
+          <a:fontRef idx="minor"/>
+        </p:style>
         <p:txBody>
-          <a:bodyPr wrap="none" lIns="90000" rIns="90000" tIns="45000" bIns="45000" anchor="t" anchorCtr="1">
+          <a:bodyPr wrap="none" lIns="90000" rIns="90000" tIns="45000" bIns="45000" anchor="t">
             <a:spAutoFit/>
           </a:bodyPr>
           <a:p>
-            <a:pPr algn="ctr"/>
-            <a:r>
-              <a:rPr b="0" lang="en-US" sz="4200" strike="noStrike" u="none">
+            <a:pPr algn="ctr">
+              <a:lnSpc>
+                <a:spcPct val="100000"/>
+              </a:lnSpc>
+            </a:pPr>
+            <a:r>
+              <a:rPr b="0" lang="en-US" sz="3600" strike="noStrike" u="none">
                 <a:solidFill>
                   <a:srgbClr val="eeeeee"/>
                 </a:solidFill>
                 <a:effectLst/>
                 <a:uFillTx/>
-                <a:latin typeface="Nimbus Roman"/>
-              </a:rPr>
-              <a:t>SQLiteSt</a:t>
-            </a:r>
-            <a:r>
-              <a:rPr b="0" lang="en-US" sz="4200" strike="noStrike" u="none">
-                <a:solidFill>
-                  <a:srgbClr val="eeeeee"/>
-                </a:solidFill>
-                <a:effectLst/>
-                <a:uFillTx/>
-                <a:latin typeface="Nimbus Roman"/>
-              </a:rPr>
-              <a:t>udio</a:t>
-            </a:r>
-            <a:r>
-              <a:rPr b="0" lang="en-US" sz="4200" strike="noStrike" u="none">
-                <a:solidFill>
-                  <a:srgbClr val="eeeeee"/>
-                </a:solidFill>
-                <a:effectLst/>
-                <a:uFillTx/>
-                <a:latin typeface="Nimbus Roman"/>
-              </a:rPr>
-              <a:t>:</a:t>
-            </a:r>
-            <a:endParaRPr b="0" lang="en-US" sz="4200" strike="noStrike" u="none">
+                <a:latin typeface="Times New Roman"/>
+              </a:rPr>
+              <a:t>SQLiteStudio: создание столбца</a:t>
+            </a:r>
+            <a:endParaRPr b="0" lang="ru-RU" sz="3600" strike="noStrike" u="none">
               <a:solidFill>
                 <a:srgbClr val="ffffff"/>
               </a:solidFill>
               <a:effectLst/>
               <a:uFillTx/>
-              <a:latin typeface="Noto Serif"/>
-            </a:endParaRPr>
-          </a:p>
-          <a:p>
-            <a:pPr algn="ctr"/>
-            <a:r>
-              <a:rPr b="0" lang="en-US" sz="4200" strike="noStrike" u="none">
-                <a:solidFill>
-                  <a:srgbClr val="eeeeee"/>
-                </a:solidFill>
-                <a:effectLst/>
-                <a:uFillTx/>
-                <a:latin typeface="Nimbus Roman"/>
-              </a:rPr>
-              <a:t>создание </a:t>
-            </a:r>
-            <a:r>
-              <a:rPr b="0" lang="en-US" sz="4200" strike="noStrike" u="none">
-                <a:solidFill>
-                  <a:srgbClr val="eeeeee"/>
-                </a:solidFill>
-                <a:effectLst/>
-                <a:uFillTx/>
-                <a:latin typeface="Nimbus Roman"/>
-              </a:rPr>
-              <a:t>столбца</a:t>
-            </a:r>
-            <a:endParaRPr b="0" lang="en-US" sz="4200" strike="noStrike" u="none">
-              <a:solidFill>
-                <a:srgbClr val="ffffff"/>
-              </a:solidFill>
-              <a:effectLst/>
-              <a:uFillTx/>
-              <a:latin typeface="Noto Serif"/>
+              <a:latin typeface="Times New Roman"/>
             </a:endParaRPr>
           </a:p>
         </p:txBody>
